--- a/agent_x/resources/Files/Agentic Era Hackathon - BAI2 agent.pptx
+++ b/agent_x/resources/Files/Agentic Era Hackathon - BAI2 agent.pptx
@@ -5,40 +5,41 @@
     <p:sldMasterId id="2147483733" r:id="rId28"/>
   </p:sldMasterIdLst>
   <p:notesMasterIdLst>
-    <p:notesMasterId r:id="rId31"/>
+    <p:notesMasterId r:id="rId32"/>
   </p:notesMasterIdLst>
   <p:handoutMasterIdLst>
-    <p:handoutMasterId r:id="rId32"/>
+    <p:handoutMasterId r:id="rId33"/>
   </p:handoutMasterIdLst>
   <p:sldIdLst>
     <p:sldId id="2061" r:id="rId29"/>
     <p:sldId id="2062" r:id="rId30"/>
+    <p:sldId id="2063" r:id="rId31"/>
   </p:sldIdLst>
   <p:sldSz cx="12195175" cy="6858000"/>
   <p:notesSz cx="6858000" cy="9144000"/>
   <p:embeddedFontLst>
     <p:embeddedFont>
       <p:font typeface="72 Brand" panose="020B0504030603020204" pitchFamily="34" charset="0"/>
-      <p:regular r:id="rId33"/>
-      <p:bold r:id="rId34"/>
-      <p:italic r:id="rId35"/>
-      <p:boldItalic r:id="rId36"/>
+      <p:regular r:id="rId34"/>
+      <p:bold r:id="rId35"/>
+      <p:italic r:id="rId36"/>
+      <p:boldItalic r:id="rId37"/>
     </p:embeddedFont>
     <p:embeddedFont>
       <p:font typeface="72 Brand Medium" panose="020B0604030603020204" pitchFamily="34" charset="0"/>
-      <p:regular r:id="rId37"/>
-      <p:italic r:id="rId38"/>
+      <p:regular r:id="rId38"/>
+      <p:italic r:id="rId39"/>
     </p:embeddedFont>
     <p:embeddedFont>
       <p:font typeface="Roboto" panose="02000000000000000000" pitchFamily="2" charset="0"/>
-      <p:regular r:id="rId39"/>
-      <p:bold r:id="rId40"/>
-      <p:italic r:id="rId41"/>
-      <p:boldItalic r:id="rId42"/>
+      <p:regular r:id="rId40"/>
+      <p:bold r:id="rId41"/>
+      <p:italic r:id="rId42"/>
+      <p:boldItalic r:id="rId43"/>
     </p:embeddedFont>
   </p:embeddedFontLst>
   <p:custDataLst>
-    <p:tags r:id="rId43"/>
+    <p:tags r:id="rId44"/>
   </p:custDataLst>
   <p:defaultTextStyle>
     <a:defPPr>
@@ -18809,7 +18810,18 @@
                   </a:schemeClr>
                 </a:solidFill>
               </a:rPr>
-              <a:t>Agentic Era Hackathon - BAI2 agent </a:t>
+              <a:t>Agentic Era Hackathon - </a:t>
+            </a:r>
+            <a:r>
+              <a:rPr lang="en-US" dirty="0" err="1">
+                <a:solidFill>
+                  <a:schemeClr val="tx2">
+                    <a:lumMod val="60000"/>
+                    <a:lumOff val="40000"/>
+                  </a:schemeClr>
+                </a:solidFill>
+              </a:rPr>
+              <a:t>FinAgentX</a:t>
             </a:r>
             <a:endParaRPr lang="de-DE" dirty="0">
               <a:solidFill>
@@ -18886,7 +18898,7 @@
         </p:blipFill>
         <p:spPr>
           <a:xfrm>
-            <a:off x="7027751" y="1935216"/>
+            <a:off x="8295677" y="1935215"/>
             <a:ext cx="1611018" cy="1611018"/>
           </a:xfrm>
           <a:prstGeom prst="rect">
@@ -18964,7 +18976,7 @@
         </p:nvSpPr>
         <p:spPr>
           <a:xfrm>
-            <a:off x="7176699" y="3407734"/>
+            <a:off x="8444625" y="3417754"/>
             <a:ext cx="1313121" cy="276999"/>
           </a:xfrm>
           <a:prstGeom prst="rect">
@@ -18996,7 +19008,7 @@
                 <a:ea typeface="Arial Unicode MS" pitchFamily="34" charset="-128"/>
                 <a:cs typeface="Arial Unicode MS" pitchFamily="34" charset="-128"/>
               </a:rPr>
-              <a:t>S/4 Hana  </a:t>
+              <a:t>SAP System  </a:t>
             </a:r>
             <a:endParaRPr lang="en-DE" sz="1800" kern="0" dirty="0" err="1">
               <a:latin typeface="72 Brand" panose="020B0504030603020204" pitchFamily="34" charset="0"/>
@@ -19135,7 +19147,7 @@
         <p:spPr>
           <a:xfrm>
             <a:off x="749595" y="4391247"/>
-            <a:ext cx="10605977" cy="1107996"/>
+            <a:ext cx="10605977" cy="1523494"/>
           </a:xfrm>
           <a:prstGeom prst="rect">
             <a:avLst/>
@@ -19218,7 +19230,275 @@
               </a:rPr>
               <a:t>The potential error space is huge, so traditional check logic has limits</a:t>
             </a:r>
+          </a:p>
+          <a:p>
+            <a:pPr marL="285750" indent="-285750" algn="l" fontAlgn="base">
+              <a:spcBef>
+                <a:spcPct val="50000"/>
+              </a:spcBef>
+              <a:spcAft>
+                <a:spcPct val="0"/>
+              </a:spcAft>
+              <a:buClr>
+                <a:schemeClr val="tx1"/>
+              </a:buClr>
+              <a:buSzPct val="100000"/>
+              <a:buFont typeface="Arial" panose="020B0604020202020204" pitchFamily="34" charset="0"/>
+              <a:buChar char="•"/>
+            </a:pPr>
+            <a:r>
+              <a:rPr lang="en-US" sz="1800" kern="0" dirty="0">
+                <a:latin typeface="72 Brand" panose="020B0504030603020204" pitchFamily="34" charset="0"/>
+                <a:ea typeface="Arial Unicode MS" pitchFamily="34" charset="-128"/>
+                <a:cs typeface="Arial Unicode MS" pitchFamily="34" charset="-128"/>
+              </a:rPr>
+              <a:t>Currently analysis is cumbersome in case of errors</a:t>
+            </a:r>
             <a:endParaRPr lang="en-DE" sz="1800" kern="0" dirty="0" err="1">
+              <a:latin typeface="72 Brand" panose="020B0504030603020204" pitchFamily="34" charset="0"/>
+              <a:ea typeface="Arial Unicode MS" pitchFamily="34" charset="-128"/>
+              <a:cs typeface="Arial Unicode MS" pitchFamily="34" charset="-128"/>
+            </a:endParaRPr>
+          </a:p>
+        </p:txBody>
+      </p:sp>
+      <p:sp>
+        <p:nvSpPr>
+          <p:cNvPr id="4" name="TextBox 3">
+            <a:extLst>
+              <a:ext uri="{FF2B5EF4-FFF2-40B4-BE49-F238E27FC236}">
+                <a16:creationId xmlns:a16="http://schemas.microsoft.com/office/drawing/2014/main" id="{C8723650-6AC7-7860-2C9B-35A82F5329B0}"/>
+              </a:ext>
+            </a:extLst>
+          </p:cNvPr>
+          <p:cNvSpPr txBox="1"/>
+          <p:nvPr/>
+        </p:nvSpPr>
+        <p:spPr>
+          <a:xfrm>
+            <a:off x="7096529" y="2122337"/>
+            <a:ext cx="1199148" cy="1184940"/>
+          </a:xfrm>
+          <a:prstGeom prst="rect">
+            <a:avLst/>
+          </a:prstGeom>
+          <a:solidFill>
+            <a:schemeClr val="bg2">
+              <a:lumMod val="75000"/>
+            </a:schemeClr>
+          </a:solidFill>
+          <a:ln>
+            <a:solidFill>
+              <a:schemeClr val="accent3">
+                <a:lumMod val="75000"/>
+              </a:schemeClr>
+            </a:solidFill>
+          </a:ln>
+        </p:spPr>
+        <p:style>
+          <a:lnRef idx="2">
+            <a:schemeClr val="accent2"/>
+          </a:lnRef>
+          <a:fillRef idx="1">
+            <a:schemeClr val="lt1"/>
+          </a:fillRef>
+          <a:effectRef idx="0">
+            <a:schemeClr val="accent2"/>
+          </a:effectRef>
+          <a:fontRef idx="minor">
+            <a:schemeClr val="dk1"/>
+          </a:fontRef>
+        </p:style>
+        <p:txBody>
+          <a:bodyPr wrap="square" lIns="0" tIns="0" rIns="0" bIns="0" rtlCol="0">
+            <a:spAutoFit/>
+          </a:bodyPr>
+          <a:lstStyle/>
+          <a:p>
+            <a:pPr fontAlgn="base">
+              <a:spcBef>
+                <a:spcPct val="50000"/>
+              </a:spcBef>
+              <a:spcAft>
+                <a:spcPct val="0"/>
+              </a:spcAft>
+              <a:buClr>
+                <a:schemeClr val="tx1"/>
+              </a:buClr>
+              <a:buSzPct val="100000"/>
+            </a:pPr>
+            <a:endParaRPr lang="en-US" sz="1400" kern="0" dirty="0">
+              <a:latin typeface="72 Brand" panose="020B0504030603020204" pitchFamily="34" charset="0"/>
+              <a:ea typeface="Arial Unicode MS" pitchFamily="34" charset="-128"/>
+              <a:cs typeface="Arial Unicode MS" pitchFamily="34" charset="-128"/>
+            </a:endParaRPr>
+          </a:p>
+          <a:p>
+            <a:pPr algn="l" fontAlgn="base">
+              <a:spcBef>
+                <a:spcPct val="50000"/>
+              </a:spcBef>
+              <a:spcAft>
+                <a:spcPct val="0"/>
+              </a:spcAft>
+              <a:buClr>
+                <a:schemeClr val="tx1"/>
+              </a:buClr>
+              <a:buSzPct val="100000"/>
+            </a:pPr>
+            <a:endParaRPr lang="en-US" sz="1400" kern="0" dirty="0">
+              <a:latin typeface="72 Brand" panose="020B0504030603020204" pitchFamily="34" charset="0"/>
+              <a:ea typeface="Arial Unicode MS" pitchFamily="34" charset="-128"/>
+              <a:cs typeface="Arial Unicode MS" pitchFamily="34" charset="-128"/>
+            </a:endParaRPr>
+          </a:p>
+          <a:p>
+            <a:pPr algn="l" fontAlgn="base">
+              <a:spcBef>
+                <a:spcPct val="50000"/>
+              </a:spcBef>
+              <a:spcAft>
+                <a:spcPct val="0"/>
+              </a:spcAft>
+              <a:buClr>
+                <a:schemeClr val="tx1"/>
+              </a:buClr>
+              <a:buSzPct val="100000"/>
+            </a:pPr>
+            <a:endParaRPr lang="en-US" sz="1400" kern="0" dirty="0">
+              <a:latin typeface="72 Brand" panose="020B0504030603020204" pitchFamily="34" charset="0"/>
+              <a:ea typeface="Arial Unicode MS" pitchFamily="34" charset="-128"/>
+              <a:cs typeface="Arial Unicode MS" pitchFamily="34" charset="-128"/>
+            </a:endParaRPr>
+          </a:p>
+          <a:p>
+            <a:pPr algn="l" fontAlgn="base">
+              <a:spcBef>
+                <a:spcPct val="50000"/>
+              </a:spcBef>
+              <a:spcAft>
+                <a:spcPct val="0"/>
+              </a:spcAft>
+              <a:buClr>
+                <a:schemeClr val="tx1"/>
+              </a:buClr>
+              <a:buSzPct val="100000"/>
+            </a:pPr>
+            <a:endParaRPr lang="en-US" sz="1400" kern="0" dirty="0">
+              <a:latin typeface="72 Brand" panose="020B0504030603020204" pitchFamily="34" charset="0"/>
+              <a:ea typeface="Arial Unicode MS" pitchFamily="34" charset="-128"/>
+              <a:cs typeface="Arial Unicode MS" pitchFamily="34" charset="-128"/>
+            </a:endParaRPr>
+          </a:p>
+        </p:txBody>
+      </p:sp>
+      <p:sp>
+        <p:nvSpPr>
+          <p:cNvPr id="6" name="TextBox 5">
+            <a:extLst>
+              <a:ext uri="{FF2B5EF4-FFF2-40B4-BE49-F238E27FC236}">
+                <a16:creationId xmlns:a16="http://schemas.microsoft.com/office/drawing/2014/main" id="{4C580B34-37B8-B2A6-A4E2-54ADDC60ED2A}"/>
+              </a:ext>
+            </a:extLst>
+          </p:cNvPr>
+          <p:cNvSpPr txBox="1"/>
+          <p:nvPr/>
+        </p:nvSpPr>
+        <p:spPr>
+          <a:xfrm>
+            <a:off x="7008909" y="2259419"/>
+            <a:ext cx="1199148" cy="1077218"/>
+          </a:xfrm>
+          <a:prstGeom prst="rect">
+            <a:avLst/>
+          </a:prstGeom>
+          <a:solidFill>
+            <a:schemeClr val="bg2">
+              <a:lumMod val="75000"/>
+            </a:schemeClr>
+          </a:solidFill>
+          <a:ln>
+            <a:solidFill>
+              <a:schemeClr val="accent3">
+                <a:lumMod val="75000"/>
+              </a:schemeClr>
+            </a:solidFill>
+          </a:ln>
+        </p:spPr>
+        <p:style>
+          <a:lnRef idx="2">
+            <a:schemeClr val="accent2"/>
+          </a:lnRef>
+          <a:fillRef idx="1">
+            <a:schemeClr val="lt1"/>
+          </a:fillRef>
+          <a:effectRef idx="0">
+            <a:schemeClr val="accent2"/>
+          </a:effectRef>
+          <a:fontRef idx="minor">
+            <a:schemeClr val="dk1"/>
+          </a:fontRef>
+        </p:style>
+        <p:txBody>
+          <a:bodyPr wrap="square" lIns="0" tIns="0" rIns="0" bIns="0" rtlCol="0">
+            <a:spAutoFit/>
+          </a:bodyPr>
+          <a:lstStyle/>
+          <a:p>
+            <a:pPr fontAlgn="base">
+              <a:spcBef>
+                <a:spcPct val="50000"/>
+              </a:spcBef>
+              <a:spcAft>
+                <a:spcPct val="0"/>
+              </a:spcAft>
+              <a:buClr>
+                <a:schemeClr val="tx1"/>
+              </a:buClr>
+              <a:buSzPct val="100000"/>
+            </a:pPr>
+            <a:endParaRPr lang="en-US" sz="1400" kern="0" dirty="0">
+              <a:latin typeface="72 Brand" panose="020B0504030603020204" pitchFamily="34" charset="0"/>
+              <a:ea typeface="Arial Unicode MS" pitchFamily="34" charset="-128"/>
+              <a:cs typeface="Arial Unicode MS" pitchFamily="34" charset="-128"/>
+            </a:endParaRPr>
+          </a:p>
+          <a:p>
+            <a:pPr algn="ctr" fontAlgn="base">
+              <a:spcBef>
+                <a:spcPct val="50000"/>
+              </a:spcBef>
+              <a:spcAft>
+                <a:spcPct val="0"/>
+              </a:spcAft>
+              <a:buClr>
+                <a:schemeClr val="tx1"/>
+              </a:buClr>
+              <a:buSzPct val="100000"/>
+            </a:pPr>
+            <a:r>
+              <a:rPr lang="en-US" sz="1400" kern="0" dirty="0">
+                <a:latin typeface="72 Brand" panose="020B0504030603020204" pitchFamily="34" charset="0"/>
+                <a:ea typeface="Arial Unicode MS" pitchFamily="34" charset="-128"/>
+                <a:cs typeface="Arial Unicode MS" pitchFamily="34" charset="-128"/>
+              </a:rPr>
+              <a:t>Input Channel, e.g. FSCM</a:t>
+            </a:r>
+          </a:p>
+          <a:p>
+            <a:pPr algn="l" fontAlgn="base">
+              <a:spcBef>
+                <a:spcPct val="50000"/>
+              </a:spcBef>
+              <a:spcAft>
+                <a:spcPct val="0"/>
+              </a:spcAft>
+              <a:buClr>
+                <a:schemeClr val="tx1"/>
+              </a:buClr>
+              <a:buSzPct val="100000"/>
+            </a:pPr>
+            <a:endParaRPr lang="en-US" sz="1400" kern="0" dirty="0">
               <a:latin typeface="72 Brand" panose="020B0504030603020204" pitchFamily="34" charset="0"/>
               <a:ea typeface="Arial Unicode MS" pitchFamily="34" charset="-128"/>
               <a:cs typeface="Arial Unicode MS" pitchFamily="34" charset="-128"/>
@@ -19262,6 +19542,356 @@
           <a:chExt cx="0" cy="0"/>
         </a:xfrm>
       </p:grpSpPr>
+      <p:sp>
+        <p:nvSpPr>
+          <p:cNvPr id="56" name="TextBox 55">
+            <a:extLst>
+              <a:ext uri="{FF2B5EF4-FFF2-40B4-BE49-F238E27FC236}">
+                <a16:creationId xmlns:a16="http://schemas.microsoft.com/office/drawing/2014/main" id="{6440DB6D-7B23-782F-E3B9-8A5FB7F8FD6D}"/>
+              </a:ext>
+            </a:extLst>
+          </p:cNvPr>
+          <p:cNvSpPr txBox="1"/>
+          <p:nvPr/>
+        </p:nvSpPr>
+        <p:spPr>
+          <a:xfrm>
+            <a:off x="5782914" y="3932088"/>
+            <a:ext cx="6093499" cy="2769989"/>
+          </a:xfrm>
+          <a:prstGeom prst="rect">
+            <a:avLst/>
+          </a:prstGeom>
+          <a:noFill/>
+          <a:ln>
+            <a:solidFill>
+              <a:schemeClr val="accent3"/>
+            </a:solidFill>
+          </a:ln>
+        </p:spPr>
+        <p:txBody>
+          <a:bodyPr wrap="square" lIns="0" tIns="0" rIns="0" bIns="0" rtlCol="0">
+            <a:spAutoFit/>
+          </a:bodyPr>
+          <a:lstStyle/>
+          <a:p>
+            <a:pPr algn="l" fontAlgn="base">
+              <a:spcBef>
+                <a:spcPct val="50000"/>
+              </a:spcBef>
+              <a:spcAft>
+                <a:spcPct val="0"/>
+              </a:spcAft>
+              <a:buClr>
+                <a:schemeClr val="tx1"/>
+              </a:buClr>
+              <a:buSzPct val="100000"/>
+            </a:pPr>
+            <a:r>
+              <a:rPr lang="en-US" sz="1800" kern="0" dirty="0" err="1">
+                <a:latin typeface="72 Brand" panose="020B0504030603020204" pitchFamily="34" charset="0"/>
+                <a:ea typeface="Arial Unicode MS" pitchFamily="34" charset="-128"/>
+                <a:cs typeface="Arial Unicode MS" pitchFamily="34" charset="-128"/>
+              </a:rPr>
+              <a:t>FinAgentX</a:t>
+            </a:r>
+            <a:endParaRPr lang="en-US" sz="1800" kern="0" dirty="0">
+              <a:latin typeface="72 Brand" panose="020B0504030603020204" pitchFamily="34" charset="0"/>
+              <a:ea typeface="Arial Unicode MS" pitchFamily="34" charset="-128"/>
+              <a:cs typeface="Arial Unicode MS" pitchFamily="34" charset="-128"/>
+            </a:endParaRPr>
+          </a:p>
+          <a:p>
+            <a:pPr algn="l" fontAlgn="base">
+              <a:spcBef>
+                <a:spcPct val="50000"/>
+              </a:spcBef>
+              <a:spcAft>
+                <a:spcPct val="0"/>
+              </a:spcAft>
+              <a:buClr>
+                <a:schemeClr val="tx1"/>
+              </a:buClr>
+              <a:buSzPct val="100000"/>
+            </a:pPr>
+            <a:endParaRPr lang="en-US" sz="1800" kern="0" dirty="0">
+              <a:latin typeface="72 Brand" panose="020B0504030603020204" pitchFamily="34" charset="0"/>
+              <a:ea typeface="Arial Unicode MS" pitchFamily="34" charset="-128"/>
+              <a:cs typeface="Arial Unicode MS" pitchFamily="34" charset="-128"/>
+            </a:endParaRPr>
+          </a:p>
+          <a:p>
+            <a:pPr algn="l" fontAlgn="base">
+              <a:spcBef>
+                <a:spcPct val="50000"/>
+              </a:spcBef>
+              <a:spcAft>
+                <a:spcPct val="0"/>
+              </a:spcAft>
+              <a:buClr>
+                <a:schemeClr val="tx1"/>
+              </a:buClr>
+              <a:buSzPct val="100000"/>
+            </a:pPr>
+            <a:endParaRPr lang="en-US" sz="1800" kern="0" dirty="0">
+              <a:latin typeface="72 Brand" panose="020B0504030603020204" pitchFamily="34" charset="0"/>
+              <a:ea typeface="Arial Unicode MS" pitchFamily="34" charset="-128"/>
+              <a:cs typeface="Arial Unicode MS" pitchFamily="34" charset="-128"/>
+            </a:endParaRPr>
+          </a:p>
+          <a:p>
+            <a:pPr algn="l" fontAlgn="base">
+              <a:spcBef>
+                <a:spcPct val="50000"/>
+              </a:spcBef>
+              <a:spcAft>
+                <a:spcPct val="0"/>
+              </a:spcAft>
+              <a:buClr>
+                <a:schemeClr val="tx1"/>
+              </a:buClr>
+              <a:buSzPct val="100000"/>
+            </a:pPr>
+            <a:endParaRPr lang="en-US" sz="1800" kern="0" dirty="0">
+              <a:latin typeface="72 Brand" panose="020B0504030603020204" pitchFamily="34" charset="0"/>
+              <a:ea typeface="Arial Unicode MS" pitchFamily="34" charset="-128"/>
+              <a:cs typeface="Arial Unicode MS" pitchFamily="34" charset="-128"/>
+            </a:endParaRPr>
+          </a:p>
+          <a:p>
+            <a:pPr algn="l" fontAlgn="base">
+              <a:spcBef>
+                <a:spcPct val="50000"/>
+              </a:spcBef>
+              <a:spcAft>
+                <a:spcPct val="0"/>
+              </a:spcAft>
+              <a:buClr>
+                <a:schemeClr val="tx1"/>
+              </a:buClr>
+              <a:buSzPct val="100000"/>
+            </a:pPr>
+            <a:endParaRPr lang="en-US" sz="1800" kern="0" dirty="0">
+              <a:latin typeface="72 Brand" panose="020B0504030603020204" pitchFamily="34" charset="0"/>
+              <a:ea typeface="Arial Unicode MS" pitchFamily="34" charset="-128"/>
+              <a:cs typeface="Arial Unicode MS" pitchFamily="34" charset="-128"/>
+            </a:endParaRPr>
+          </a:p>
+          <a:p>
+            <a:pPr algn="l" fontAlgn="base">
+              <a:spcBef>
+                <a:spcPct val="50000"/>
+              </a:spcBef>
+              <a:spcAft>
+                <a:spcPct val="0"/>
+              </a:spcAft>
+              <a:buClr>
+                <a:schemeClr val="tx1"/>
+              </a:buClr>
+              <a:buSzPct val="100000"/>
+            </a:pPr>
+            <a:endParaRPr lang="en-US" sz="1800" kern="0" dirty="0">
+              <a:latin typeface="72 Brand" panose="020B0504030603020204" pitchFamily="34" charset="0"/>
+              <a:ea typeface="Arial Unicode MS" pitchFamily="34" charset="-128"/>
+              <a:cs typeface="Arial Unicode MS" pitchFamily="34" charset="-128"/>
+            </a:endParaRPr>
+          </a:p>
+          <a:p>
+            <a:pPr algn="l" fontAlgn="base">
+              <a:spcBef>
+                <a:spcPct val="50000"/>
+              </a:spcBef>
+              <a:spcAft>
+                <a:spcPct val="0"/>
+              </a:spcAft>
+              <a:buClr>
+                <a:schemeClr val="tx1"/>
+              </a:buClr>
+              <a:buSzPct val="100000"/>
+            </a:pPr>
+            <a:endParaRPr lang="en-DE" sz="1800" kern="0" dirty="0" err="1">
+              <a:latin typeface="72 Brand" panose="020B0504030603020204" pitchFamily="34" charset="0"/>
+              <a:ea typeface="Arial Unicode MS" pitchFamily="34" charset="-128"/>
+              <a:cs typeface="Arial Unicode MS" pitchFamily="34" charset="-128"/>
+            </a:endParaRPr>
+          </a:p>
+        </p:txBody>
+      </p:sp>
+      <p:cxnSp>
+        <p:nvCxnSpPr>
+          <p:cNvPr id="46" name="Straight Arrow Connector 45">
+            <a:extLst>
+              <a:ext uri="{FF2B5EF4-FFF2-40B4-BE49-F238E27FC236}">
+                <a16:creationId xmlns:a16="http://schemas.microsoft.com/office/drawing/2014/main" id="{7FDE53CC-6CA8-DC23-0FA7-57C7F9CEB671}"/>
+              </a:ext>
+            </a:extLst>
+          </p:cNvPr>
+          <p:cNvCxnSpPr>
+            <a:cxnSpLocks/>
+          </p:cNvCxnSpPr>
+          <p:nvPr/>
+        </p:nvCxnSpPr>
+        <p:spPr>
+          <a:xfrm>
+            <a:off x="8156412" y="4872503"/>
+            <a:ext cx="1776763" cy="0"/>
+          </a:xfrm>
+          <a:prstGeom prst="straightConnector1">
+            <a:avLst/>
+          </a:prstGeom>
+          <a:ln w="25400">
+            <a:solidFill>
+              <a:schemeClr val="tx1"/>
+            </a:solidFill>
+            <a:headEnd type="none" w="med" len="med"/>
+            <a:tailEnd type="triangle"/>
+          </a:ln>
+        </p:spPr>
+        <p:style>
+          <a:lnRef idx="1">
+            <a:schemeClr val="accent1"/>
+          </a:lnRef>
+          <a:fillRef idx="0">
+            <a:schemeClr val="accent1"/>
+          </a:fillRef>
+          <a:effectRef idx="0">
+            <a:schemeClr val="accent1"/>
+          </a:effectRef>
+          <a:fontRef idx="minor">
+            <a:schemeClr val="tx1"/>
+          </a:fontRef>
+        </p:style>
+      </p:cxnSp>
+      <p:sp>
+        <p:nvSpPr>
+          <p:cNvPr id="14" name="TextBox 13">
+            <a:extLst>
+              <a:ext uri="{FF2B5EF4-FFF2-40B4-BE49-F238E27FC236}">
+                <a16:creationId xmlns:a16="http://schemas.microsoft.com/office/drawing/2014/main" id="{9399FF2B-C8E6-0346-93A3-EF46FE8F793D}"/>
+              </a:ext>
+            </a:extLst>
+          </p:cNvPr>
+          <p:cNvSpPr txBox="1"/>
+          <p:nvPr/>
+        </p:nvSpPr>
+        <p:spPr>
+          <a:xfrm>
+            <a:off x="7096529" y="2122337"/>
+            <a:ext cx="1199148" cy="1184940"/>
+          </a:xfrm>
+          <a:prstGeom prst="rect">
+            <a:avLst/>
+          </a:prstGeom>
+          <a:solidFill>
+            <a:schemeClr val="bg2">
+              <a:lumMod val="75000"/>
+            </a:schemeClr>
+          </a:solidFill>
+          <a:ln>
+            <a:solidFill>
+              <a:schemeClr val="accent3">
+                <a:lumMod val="75000"/>
+              </a:schemeClr>
+            </a:solidFill>
+          </a:ln>
+        </p:spPr>
+        <p:style>
+          <a:lnRef idx="2">
+            <a:schemeClr val="accent2"/>
+          </a:lnRef>
+          <a:fillRef idx="1">
+            <a:schemeClr val="lt1"/>
+          </a:fillRef>
+          <a:effectRef idx="0">
+            <a:schemeClr val="accent2"/>
+          </a:effectRef>
+          <a:fontRef idx="minor">
+            <a:schemeClr val="dk1"/>
+          </a:fontRef>
+        </p:style>
+        <p:txBody>
+          <a:bodyPr wrap="square" lIns="0" tIns="0" rIns="0" bIns="0" rtlCol="0">
+            <a:spAutoFit/>
+          </a:bodyPr>
+          <a:lstStyle/>
+          <a:p>
+            <a:pPr fontAlgn="base">
+              <a:spcBef>
+                <a:spcPct val="50000"/>
+              </a:spcBef>
+              <a:spcAft>
+                <a:spcPct val="0"/>
+              </a:spcAft>
+              <a:buClr>
+                <a:schemeClr val="tx1"/>
+              </a:buClr>
+              <a:buSzPct val="100000"/>
+            </a:pPr>
+            <a:endParaRPr lang="en-US" sz="1400" kern="0" dirty="0">
+              <a:latin typeface="72 Brand" panose="020B0504030603020204" pitchFamily="34" charset="0"/>
+              <a:ea typeface="Arial Unicode MS" pitchFamily="34" charset="-128"/>
+              <a:cs typeface="Arial Unicode MS" pitchFamily="34" charset="-128"/>
+            </a:endParaRPr>
+          </a:p>
+          <a:p>
+            <a:pPr algn="l" fontAlgn="base">
+              <a:spcBef>
+                <a:spcPct val="50000"/>
+              </a:spcBef>
+              <a:spcAft>
+                <a:spcPct val="0"/>
+              </a:spcAft>
+              <a:buClr>
+                <a:schemeClr val="tx1"/>
+              </a:buClr>
+              <a:buSzPct val="100000"/>
+            </a:pPr>
+            <a:endParaRPr lang="en-US" sz="1400" kern="0" dirty="0">
+              <a:latin typeface="72 Brand" panose="020B0504030603020204" pitchFamily="34" charset="0"/>
+              <a:ea typeface="Arial Unicode MS" pitchFamily="34" charset="-128"/>
+              <a:cs typeface="Arial Unicode MS" pitchFamily="34" charset="-128"/>
+            </a:endParaRPr>
+          </a:p>
+          <a:p>
+            <a:pPr algn="l" fontAlgn="base">
+              <a:spcBef>
+                <a:spcPct val="50000"/>
+              </a:spcBef>
+              <a:spcAft>
+                <a:spcPct val="0"/>
+              </a:spcAft>
+              <a:buClr>
+                <a:schemeClr val="tx1"/>
+              </a:buClr>
+              <a:buSzPct val="100000"/>
+            </a:pPr>
+            <a:endParaRPr lang="en-US" sz="1400" kern="0" dirty="0">
+              <a:latin typeface="72 Brand" panose="020B0504030603020204" pitchFamily="34" charset="0"/>
+              <a:ea typeface="Arial Unicode MS" pitchFamily="34" charset="-128"/>
+              <a:cs typeface="Arial Unicode MS" pitchFamily="34" charset="-128"/>
+            </a:endParaRPr>
+          </a:p>
+          <a:p>
+            <a:pPr algn="l" fontAlgn="base">
+              <a:spcBef>
+                <a:spcPct val="50000"/>
+              </a:spcBef>
+              <a:spcAft>
+                <a:spcPct val="0"/>
+              </a:spcAft>
+              <a:buClr>
+                <a:schemeClr val="tx1"/>
+              </a:buClr>
+              <a:buSzPct val="100000"/>
+            </a:pPr>
+            <a:endParaRPr lang="en-US" sz="1400" kern="0" dirty="0">
+              <a:latin typeface="72 Brand" panose="020B0504030603020204" pitchFamily="34" charset="0"/>
+              <a:ea typeface="Arial Unicode MS" pitchFamily="34" charset="-128"/>
+              <a:cs typeface="Arial Unicode MS" pitchFamily="34" charset="-128"/>
+            </a:endParaRPr>
+          </a:p>
+        </p:txBody>
+      </p:sp>
       <p:sp>
         <p:nvSpPr>
           <p:cNvPr id="13" name="Arrow: Right 12">
@@ -19355,6 +19985,16 @@
           <a:lstStyle/>
           <a:p>
             <a:r>
+              <a:rPr lang="de-DE" dirty="0" err="1">
+                <a:solidFill>
+                  <a:schemeClr val="tx2">
+                    <a:lumMod val="75000"/>
+                  </a:schemeClr>
+                </a:solidFill>
+              </a:rPr>
+              <a:t>FinAgentX</a:t>
+            </a:r>
+            <a:r>
               <a:rPr lang="de-DE" dirty="0">
                 <a:solidFill>
                   <a:schemeClr val="tx2">
@@ -19362,7 +20002,27 @@
                   </a:schemeClr>
                 </a:solidFill>
               </a:rPr>
-              <a:t>BAI2 </a:t>
+              <a:t> – a </a:t>
+            </a:r>
+            <a:r>
+              <a:rPr lang="de-DE" dirty="0" err="1">
+                <a:solidFill>
+                  <a:schemeClr val="tx2">
+                    <a:lumMod val="75000"/>
+                  </a:schemeClr>
+                </a:solidFill>
+              </a:rPr>
+              <a:t>multi</a:t>
+            </a:r>
+            <a:r>
+              <a:rPr lang="de-DE" dirty="0">
+                <a:solidFill>
+                  <a:schemeClr val="tx2">
+                    <a:lumMod val="75000"/>
+                  </a:schemeClr>
+                </a:solidFill>
+              </a:rPr>
+              <a:t> </a:t>
             </a:r>
             <a:r>
               <a:rPr lang="de-DE" dirty="0" err="1">
@@ -19392,7 +20052,7 @@
                   </a:schemeClr>
                 </a:solidFill>
               </a:rPr>
-              <a:t>approach</a:t>
+              <a:t>system</a:t>
             </a:r>
             <a:endParaRPr lang="de-DE" dirty="0">
               <a:solidFill>
@@ -19439,7 +20099,17 @@
                   </a:schemeClr>
                 </a:solidFill>
               </a:rPr>
-              <a:t>Agentic Era Hackathon - BAI2 agent </a:t>
+              <a:t>Agentic Era Hackathon - </a:t>
+            </a:r>
+            <a:r>
+              <a:rPr lang="de-DE" dirty="0" err="1">
+                <a:solidFill>
+                  <a:schemeClr val="tx2">
+                    <a:lumMod val="75000"/>
+                  </a:schemeClr>
+                </a:solidFill>
+              </a:rPr>
+              <a:t>FinAgentX</a:t>
             </a:r>
             <a:endParaRPr lang="de-DE" dirty="0">
               <a:solidFill>
@@ -19516,7 +20186,7 @@
         </p:blipFill>
         <p:spPr>
           <a:xfrm>
-            <a:off x="8120437" y="1900651"/>
+            <a:off x="8380884" y="1873895"/>
             <a:ext cx="1611018" cy="1611018"/>
           </a:xfrm>
           <a:prstGeom prst="rect">
@@ -19594,7 +20264,7 @@
         </p:nvSpPr>
         <p:spPr>
           <a:xfrm>
-            <a:off x="8208057" y="3373169"/>
+            <a:off x="8529832" y="3346413"/>
             <a:ext cx="1313121" cy="276999"/>
           </a:xfrm>
           <a:prstGeom prst="rect">
@@ -19626,7 +20296,7 @@
                 <a:ea typeface="Arial Unicode MS" pitchFamily="34" charset="-128"/>
                 <a:cs typeface="Arial Unicode MS" pitchFamily="34" charset="-128"/>
               </a:rPr>
-              <a:t>S/4 Hana  </a:t>
+              <a:t>SAP System</a:t>
             </a:r>
             <a:endParaRPr lang="en-DE" sz="1800" kern="0" dirty="0" err="1">
               <a:latin typeface="72 Brand" panose="020B0504030603020204" pitchFamily="34" charset="0"/>
@@ -19764,16 +20434,15 @@
         </p:nvSpPr>
         <p:spPr>
           <a:xfrm>
-            <a:off x="7176977" y="2259419"/>
-            <a:ext cx="882502" cy="861774"/>
+            <a:off x="7008909" y="2259419"/>
+            <a:ext cx="1199148" cy="1077218"/>
           </a:xfrm>
           <a:prstGeom prst="rect">
             <a:avLst/>
           </a:prstGeom>
           <a:solidFill>
-            <a:schemeClr val="accent3">
-              <a:lumMod val="60000"/>
-              <a:lumOff val="40000"/>
+            <a:schemeClr val="bg2">
+              <a:lumMod val="75000"/>
             </a:schemeClr>
           </a:solidFill>
           <a:ln>
@@ -19804,7 +20473,7 @@
           </a:bodyPr>
           <a:lstStyle/>
           <a:p>
-            <a:pPr algn="l" fontAlgn="base">
+            <a:pPr fontAlgn="base">
               <a:spcBef>
                 <a:spcPct val="50000"/>
               </a:spcBef>
@@ -19841,7 +20510,7 @@
                 <a:ea typeface="Arial Unicode MS" pitchFamily="34" charset="-128"/>
                 <a:cs typeface="Arial Unicode MS" pitchFamily="34" charset="-128"/>
               </a:rPr>
-              <a:t>Validation</a:t>
+              <a:t>Input Channel, e.g. FSCM</a:t>
             </a:r>
           </a:p>
           <a:p>
@@ -19973,52 +20642,6 @@
           </a:p>
         </p:txBody>
       </p:sp>
-      <p:cxnSp>
-        <p:nvCxnSpPr>
-          <p:cNvPr id="18" name="Straight Arrow Connector 17">
-            <a:extLst>
-              <a:ext uri="{FF2B5EF4-FFF2-40B4-BE49-F238E27FC236}">
-                <a16:creationId xmlns:a16="http://schemas.microsoft.com/office/drawing/2014/main" id="{CEC3F0CE-AC6A-1B7B-49AB-F06997D78EC4}"/>
-              </a:ext>
-            </a:extLst>
-          </p:cNvPr>
-          <p:cNvCxnSpPr>
-            <a:stCxn id="16" idx="0"/>
-            <a:endCxn id="6" idx="2"/>
-          </p:cNvCxnSpPr>
-          <p:nvPr/>
-        </p:nvCxnSpPr>
-        <p:spPr>
-          <a:xfrm flipV="1">
-            <a:off x="7618228" y="3121193"/>
-            <a:ext cx="0" cy="1123187"/>
-          </a:xfrm>
-          <a:prstGeom prst="straightConnector1">
-            <a:avLst/>
-          </a:prstGeom>
-          <a:ln w="25400">
-            <a:solidFill>
-              <a:schemeClr val="tx1"/>
-            </a:solidFill>
-            <a:headEnd type="none" w="med" len="med"/>
-            <a:tailEnd type="triangle"/>
-          </a:ln>
-        </p:spPr>
-        <p:style>
-          <a:lnRef idx="1">
-            <a:schemeClr val="accent1"/>
-          </a:lnRef>
-          <a:fillRef idx="0">
-            <a:schemeClr val="accent1"/>
-          </a:fillRef>
-          <a:effectRef idx="0">
-            <a:schemeClr val="accent1"/>
-          </a:effectRef>
-          <a:fontRef idx="minor">
-            <a:schemeClr val="tx1"/>
-          </a:fontRef>
-        </p:style>
-      </p:cxnSp>
       <p:sp>
         <p:nvSpPr>
           <p:cNvPr id="20" name="Rectangle: Rounded Corners 19">
@@ -20033,7 +20656,7 @@
         </p:nvSpPr>
         <p:spPr bwMode="gray">
           <a:xfrm>
-            <a:off x="8375710" y="4244380"/>
+            <a:off x="9933175" y="4244380"/>
             <a:ext cx="1182957" cy="914400"/>
           </a:xfrm>
           <a:prstGeom prst="roundRect">
@@ -20127,52 +20750,6 @@
           </a:p>
         </p:txBody>
       </p:sp>
-      <p:cxnSp>
-        <p:nvCxnSpPr>
-          <p:cNvPr id="22" name="Straight Arrow Connector 21">
-            <a:extLst>
-              <a:ext uri="{FF2B5EF4-FFF2-40B4-BE49-F238E27FC236}">
-                <a16:creationId xmlns:a16="http://schemas.microsoft.com/office/drawing/2014/main" id="{16A90A86-5B90-AF67-C4F6-90C7F79BE21C}"/>
-              </a:ext>
-            </a:extLst>
-          </p:cNvPr>
-          <p:cNvCxnSpPr>
-            <a:stCxn id="16" idx="3"/>
-            <a:endCxn id="20" idx="1"/>
-          </p:cNvCxnSpPr>
-          <p:nvPr/>
-        </p:nvCxnSpPr>
-        <p:spPr>
-          <a:xfrm>
-            <a:off x="8168462" y="4701580"/>
-            <a:ext cx="207248" cy="0"/>
-          </a:xfrm>
-          <a:prstGeom prst="straightConnector1">
-            <a:avLst/>
-          </a:prstGeom>
-          <a:ln w="25400">
-            <a:solidFill>
-              <a:schemeClr val="tx1"/>
-            </a:solidFill>
-            <a:headEnd type="none" w="med" len="med"/>
-            <a:tailEnd type="triangle"/>
-          </a:ln>
-        </p:spPr>
-        <p:style>
-          <a:lnRef idx="1">
-            <a:schemeClr val="accent1"/>
-          </a:lnRef>
-          <a:fillRef idx="0">
-            <a:schemeClr val="accent1"/>
-          </a:fillRef>
-          <a:effectRef idx="0">
-            <a:schemeClr val="accent1"/>
-          </a:effectRef>
-          <a:fontRef idx="minor">
-            <a:schemeClr val="tx1"/>
-          </a:fontRef>
-        </p:style>
-      </p:cxnSp>
       <p:sp>
         <p:nvSpPr>
           <p:cNvPr id="24" name="Rectangle: Rounded Corners 23">
@@ -20187,7 +20764,7 @@
         </p:nvSpPr>
         <p:spPr bwMode="gray">
           <a:xfrm>
-            <a:off x="9765915" y="4225380"/>
+            <a:off x="8479334" y="4244380"/>
             <a:ext cx="1182957" cy="914400"/>
           </a:xfrm>
           <a:prstGeom prst="roundRect">
@@ -20283,20 +20860,22 @@
       </p:sp>
       <p:cxnSp>
         <p:nvCxnSpPr>
-          <p:cNvPr id="25" name="Straight Arrow Connector 24">
+          <p:cNvPr id="19" name="Straight Arrow Connector 18">
             <a:extLst>
               <a:ext uri="{FF2B5EF4-FFF2-40B4-BE49-F238E27FC236}">
-                <a16:creationId xmlns:a16="http://schemas.microsoft.com/office/drawing/2014/main" id="{28E5B4C5-645F-C91B-FE6F-3095E87191EF}"/>
+                <a16:creationId xmlns:a16="http://schemas.microsoft.com/office/drawing/2014/main" id="{9016B4DE-26C7-6D9D-EA8E-D998E438E9F4}"/>
               </a:ext>
             </a:extLst>
           </p:cNvPr>
-          <p:cNvCxnSpPr/>
+          <p:cNvCxnSpPr>
+            <a:stCxn id="6" idx="2"/>
+          </p:cNvCxnSpPr>
           <p:nvPr/>
         </p:nvCxnSpPr>
         <p:spPr>
           <a:xfrm>
-            <a:off x="9558667" y="4682580"/>
-            <a:ext cx="207248" cy="0"/>
+            <a:off x="7608483" y="3336637"/>
+            <a:ext cx="0" cy="907743"/>
           </a:xfrm>
           <a:prstGeom prst="straightConnector1">
             <a:avLst/>
@@ -20324,10 +20903,579 @@
           </a:fontRef>
         </p:style>
       </p:cxnSp>
+      <p:sp>
+        <p:nvSpPr>
+          <p:cNvPr id="26" name="Flowchart: Magnetic Disk 25">
+            <a:extLst>
+              <a:ext uri="{FF2B5EF4-FFF2-40B4-BE49-F238E27FC236}">
+                <a16:creationId xmlns:a16="http://schemas.microsoft.com/office/drawing/2014/main" id="{9A9123B7-2B87-2C0E-7FF1-121A613F0820}"/>
+              </a:ext>
+            </a:extLst>
+          </p:cNvPr>
+          <p:cNvSpPr/>
+          <p:nvPr/>
+        </p:nvSpPr>
+        <p:spPr bwMode="gray">
+          <a:xfrm>
+            <a:off x="8072934" y="6073337"/>
+            <a:ext cx="812800" cy="464461"/>
+          </a:xfrm>
+          <a:prstGeom prst="flowChartMagneticDisk">
+            <a:avLst/>
+          </a:prstGeom>
+          <a:noFill/>
+          <a:ln w="25400" algn="ctr">
+            <a:solidFill>
+              <a:schemeClr val="tx1"/>
+            </a:solidFill>
+            <a:miter lim="800000"/>
+            <a:headEnd/>
+            <a:tailEnd/>
+          </a:ln>
+        </p:spPr>
+        <p:txBody>
+          <a:bodyPr lIns="90000" tIns="72000" rIns="90000" bIns="72000" rtlCol="0" anchor="ctr"/>
+          <a:lstStyle/>
+          <a:p>
+            <a:pPr marR="0" algn="ctr" defTabSz="914400" eaLnBrk="1" fontAlgn="base" latinLnBrk="0" hangingPunct="1">
+              <a:lnSpc>
+                <a:spcPct val="100000"/>
+              </a:lnSpc>
+              <a:spcBef>
+                <a:spcPct val="50000"/>
+              </a:spcBef>
+              <a:spcAft>
+                <a:spcPct val="0"/>
+              </a:spcAft>
+              <a:buClr>
+                <a:srgbClr val="F0AB00"/>
+              </a:buClr>
+              <a:buSzPct val="80000"/>
+              <a:tabLst/>
+            </a:pPr>
+            <a:endParaRPr kumimoji="0" lang="en-DE" sz="1800" b="0" i="0" u="none" strike="noStrike" kern="0" cap="none" spc="0" normalizeH="0" baseline="0" noProof="0" dirty="0" err="1">
+              <a:ln>
+                <a:noFill/>
+              </a:ln>
+              <a:effectLst/>
+              <a:uLnTx/>
+              <a:uFillTx/>
+              <a:ea typeface="Arial Unicode MS" pitchFamily="34" charset="-128"/>
+              <a:cs typeface="Arial Unicode MS" pitchFamily="34" charset="-128"/>
+            </a:endParaRPr>
+          </a:p>
+        </p:txBody>
+      </p:sp>
+      <p:cxnSp>
+        <p:nvCxnSpPr>
+          <p:cNvPr id="28" name="Straight Arrow Connector 27">
+            <a:extLst>
+              <a:ext uri="{FF2B5EF4-FFF2-40B4-BE49-F238E27FC236}">
+                <a16:creationId xmlns:a16="http://schemas.microsoft.com/office/drawing/2014/main" id="{76AEF364-E6F3-B14D-13E2-5772EC2ECA15}"/>
+              </a:ext>
+            </a:extLst>
+          </p:cNvPr>
+          <p:cNvCxnSpPr>
+            <a:cxnSpLocks/>
+            <a:stCxn id="16" idx="2"/>
+            <a:endCxn id="26" idx="1"/>
+          </p:cNvCxnSpPr>
+          <p:nvPr/>
+        </p:nvCxnSpPr>
+        <p:spPr>
+          <a:xfrm>
+            <a:off x="7618228" y="5158780"/>
+            <a:ext cx="861106" cy="914557"/>
+          </a:xfrm>
+          <a:prstGeom prst="straightConnector1">
+            <a:avLst/>
+          </a:prstGeom>
+          <a:ln w="25400">
+            <a:solidFill>
+              <a:schemeClr val="tx1"/>
+            </a:solidFill>
+            <a:headEnd type="none" w="med" len="med"/>
+            <a:tailEnd type="triangle"/>
+          </a:ln>
+        </p:spPr>
+        <p:style>
+          <a:lnRef idx="1">
+            <a:schemeClr val="accent1"/>
+          </a:lnRef>
+          <a:fillRef idx="0">
+            <a:schemeClr val="accent1"/>
+          </a:fillRef>
+          <a:effectRef idx="0">
+            <a:schemeClr val="accent1"/>
+          </a:effectRef>
+          <a:fontRef idx="minor">
+            <a:schemeClr val="tx1"/>
+          </a:fontRef>
+        </p:style>
+      </p:cxnSp>
+      <p:sp>
+        <p:nvSpPr>
+          <p:cNvPr id="48" name="TextBox 47">
+            <a:extLst>
+              <a:ext uri="{FF2B5EF4-FFF2-40B4-BE49-F238E27FC236}">
+                <a16:creationId xmlns:a16="http://schemas.microsoft.com/office/drawing/2014/main" id="{130DCA29-2D63-7E8F-0A82-C1FAD5205B55}"/>
+              </a:ext>
+            </a:extLst>
+          </p:cNvPr>
+          <p:cNvSpPr txBox="1"/>
+          <p:nvPr/>
+        </p:nvSpPr>
+        <p:spPr>
+          <a:xfrm>
+            <a:off x="389744" y="3964760"/>
+            <a:ext cx="5168738" cy="2215991"/>
+          </a:xfrm>
+          <a:prstGeom prst="rect">
+            <a:avLst/>
+          </a:prstGeom>
+          <a:noFill/>
+        </p:spPr>
+        <p:txBody>
+          <a:bodyPr wrap="square" lIns="0" tIns="0" rIns="0" bIns="0" rtlCol="0">
+            <a:spAutoFit/>
+          </a:bodyPr>
+          <a:lstStyle/>
+          <a:p>
+            <a:pPr marL="285750" indent="-285750" algn="l" fontAlgn="base">
+              <a:spcBef>
+                <a:spcPct val="50000"/>
+              </a:spcBef>
+              <a:spcAft>
+                <a:spcPct val="0"/>
+              </a:spcAft>
+              <a:buClr>
+                <a:schemeClr val="tx1"/>
+              </a:buClr>
+              <a:buSzPct val="100000"/>
+              <a:buFont typeface="Arial" panose="020B0604020202020204" pitchFamily="34" charset="0"/>
+              <a:buChar char="•"/>
+            </a:pPr>
+            <a:r>
+              <a:rPr lang="en-US" sz="1800" kern="0" dirty="0">
+                <a:latin typeface="72 Brand" panose="020B0504030603020204" pitchFamily="34" charset="0"/>
+                <a:ea typeface="Arial Unicode MS" pitchFamily="34" charset="-128"/>
+                <a:cs typeface="Arial Unicode MS" pitchFamily="34" charset="-128"/>
+              </a:rPr>
+              <a:t>The input channel calls the Validation Agent, checks the file consistency versus the technical specification, based on a prompt and records </a:t>
+            </a:r>
+          </a:p>
+          <a:p>
+            <a:pPr marL="285750" indent="-285750" algn="l" fontAlgn="base">
+              <a:spcBef>
+                <a:spcPct val="50000"/>
+              </a:spcBef>
+              <a:spcAft>
+                <a:spcPct val="0"/>
+              </a:spcAft>
+              <a:buClr>
+                <a:schemeClr val="tx1"/>
+              </a:buClr>
+              <a:buSzPct val="100000"/>
+              <a:buFont typeface="Arial" panose="020B0604020202020204" pitchFamily="34" charset="0"/>
+              <a:buChar char="•"/>
+            </a:pPr>
+            <a:r>
+              <a:rPr lang="en-US" sz="1800" kern="0" dirty="0">
+                <a:latin typeface="72 Brand" panose="020B0504030603020204" pitchFamily="34" charset="0"/>
+                <a:ea typeface="Arial Unicode MS" pitchFamily="34" charset="-128"/>
+                <a:cs typeface="Arial Unicode MS" pitchFamily="34" charset="-128"/>
+              </a:rPr>
+              <a:t>Reporting agent can read out past validations and provide information</a:t>
+            </a:r>
+          </a:p>
+          <a:p>
+            <a:pPr marL="285750" indent="-285750" algn="l" fontAlgn="base">
+              <a:spcBef>
+                <a:spcPct val="50000"/>
+              </a:spcBef>
+              <a:spcAft>
+                <a:spcPct val="0"/>
+              </a:spcAft>
+              <a:buClr>
+                <a:schemeClr val="tx1"/>
+              </a:buClr>
+              <a:buSzPct val="100000"/>
+              <a:buFont typeface="Arial" panose="020B0604020202020204" pitchFamily="34" charset="0"/>
+              <a:buChar char="•"/>
+            </a:pPr>
+            <a:r>
+              <a:rPr lang="en-US" sz="1800" kern="0" dirty="0">
+                <a:latin typeface="72 Brand" panose="020B0504030603020204" pitchFamily="34" charset="0"/>
+                <a:ea typeface="Arial Unicode MS" pitchFamily="34" charset="-128"/>
+                <a:cs typeface="Arial Unicode MS" pitchFamily="34" charset="-128"/>
+              </a:rPr>
+              <a:t>Notification Agent will inform end users on configured channels  </a:t>
+            </a:r>
+            <a:endParaRPr lang="en-DE" sz="1800" kern="0" dirty="0" err="1">
+              <a:latin typeface="72 Brand" panose="020B0504030603020204" pitchFamily="34" charset="0"/>
+              <a:ea typeface="Arial Unicode MS" pitchFamily="34" charset="-128"/>
+              <a:cs typeface="Arial Unicode MS" pitchFamily="34" charset="-128"/>
+            </a:endParaRPr>
+          </a:p>
+        </p:txBody>
+      </p:sp>
+      <p:pic>
+        <p:nvPicPr>
+          <p:cNvPr id="50" name="Graphic 49" descr="Envelope with solid fill">
+            <a:extLst>
+              <a:ext uri="{FF2B5EF4-FFF2-40B4-BE49-F238E27FC236}">
+                <a16:creationId xmlns:a16="http://schemas.microsoft.com/office/drawing/2014/main" id="{DD5AE46D-3177-32EA-3BC3-BB6C40D1F3FA}"/>
+              </a:ext>
+            </a:extLst>
+          </p:cNvPr>
+          <p:cNvPicPr>
+            <a:picLocks noChangeAspect="1"/>
+          </p:cNvPicPr>
+          <p:nvPr/>
+        </p:nvPicPr>
+        <p:blipFill>
+          <a:blip r:embed="rId8">
+            <a:extLst>
+              <a:ext uri="{96DAC541-7B7A-43D3-8B79-37D633B846F1}">
+                <asvg:svgBlip xmlns:asvg="http://schemas.microsoft.com/office/drawing/2016/SVG/main" r:embed="rId9"/>
+              </a:ext>
+            </a:extLst>
+          </a:blip>
+          <a:stretch>
+            <a:fillRect/>
+          </a:stretch>
+        </p:blipFill>
+        <p:spPr>
+          <a:xfrm>
+            <a:off x="10077109" y="2375138"/>
+            <a:ext cx="914400" cy="914400"/>
+          </a:xfrm>
+          <a:prstGeom prst="rect">
+            <a:avLst/>
+          </a:prstGeom>
+        </p:spPr>
+      </p:pic>
+      <p:cxnSp>
+        <p:nvCxnSpPr>
+          <p:cNvPr id="51" name="Straight Arrow Connector 50">
+            <a:extLst>
+              <a:ext uri="{FF2B5EF4-FFF2-40B4-BE49-F238E27FC236}">
+                <a16:creationId xmlns:a16="http://schemas.microsoft.com/office/drawing/2014/main" id="{449A7C3E-01DC-E237-AC53-6A749A2BA3D9}"/>
+              </a:ext>
+            </a:extLst>
+          </p:cNvPr>
+          <p:cNvCxnSpPr>
+            <a:cxnSpLocks/>
+          </p:cNvCxnSpPr>
+          <p:nvPr/>
+        </p:nvCxnSpPr>
+        <p:spPr>
+          <a:xfrm flipV="1">
+            <a:off x="10534310" y="3060467"/>
+            <a:ext cx="0" cy="1183913"/>
+          </a:xfrm>
+          <a:prstGeom prst="straightConnector1">
+            <a:avLst/>
+          </a:prstGeom>
+          <a:ln w="25400">
+            <a:solidFill>
+              <a:schemeClr val="tx1"/>
+            </a:solidFill>
+            <a:headEnd type="none" w="med" len="med"/>
+            <a:tailEnd type="triangle"/>
+          </a:ln>
+        </p:spPr>
+        <p:style>
+          <a:lnRef idx="1">
+            <a:schemeClr val="accent1"/>
+          </a:lnRef>
+          <a:fillRef idx="0">
+            <a:schemeClr val="accent1"/>
+          </a:fillRef>
+          <a:effectRef idx="0">
+            <a:schemeClr val="accent1"/>
+          </a:effectRef>
+          <a:fontRef idx="minor">
+            <a:schemeClr val="tx1"/>
+          </a:fontRef>
+        </p:style>
+      </p:cxnSp>
+      <p:cxnSp>
+        <p:nvCxnSpPr>
+          <p:cNvPr id="55" name="Straight Arrow Connector 54">
+            <a:extLst>
+              <a:ext uri="{FF2B5EF4-FFF2-40B4-BE49-F238E27FC236}">
+                <a16:creationId xmlns:a16="http://schemas.microsoft.com/office/drawing/2014/main" id="{587B1A78-8CC1-85B9-7B79-93A462824649}"/>
+              </a:ext>
+            </a:extLst>
+          </p:cNvPr>
+          <p:cNvCxnSpPr>
+            <a:stCxn id="26" idx="1"/>
+            <a:endCxn id="24" idx="2"/>
+          </p:cNvCxnSpPr>
+          <p:nvPr/>
+        </p:nvCxnSpPr>
+        <p:spPr>
+          <a:xfrm flipV="1">
+            <a:off x="8479334" y="5158780"/>
+            <a:ext cx="591479" cy="914557"/>
+          </a:xfrm>
+          <a:prstGeom prst="straightConnector1">
+            <a:avLst/>
+          </a:prstGeom>
+          <a:ln w="25400">
+            <a:solidFill>
+              <a:schemeClr val="tx1"/>
+            </a:solidFill>
+            <a:headEnd type="none" w="med" len="med"/>
+            <a:tailEnd type="triangle"/>
+          </a:ln>
+        </p:spPr>
+        <p:style>
+          <a:lnRef idx="1">
+            <a:schemeClr val="accent1"/>
+          </a:lnRef>
+          <a:fillRef idx="0">
+            <a:schemeClr val="accent1"/>
+          </a:fillRef>
+          <a:effectRef idx="0">
+            <a:schemeClr val="accent1"/>
+          </a:effectRef>
+          <a:fontRef idx="minor">
+            <a:schemeClr val="tx1"/>
+          </a:fontRef>
+        </p:style>
+      </p:cxnSp>
+      <p:cxnSp>
+        <p:nvCxnSpPr>
+          <p:cNvPr id="59" name="Straight Arrow Connector 58">
+            <a:extLst>
+              <a:ext uri="{FF2B5EF4-FFF2-40B4-BE49-F238E27FC236}">
+                <a16:creationId xmlns:a16="http://schemas.microsoft.com/office/drawing/2014/main" id="{1F7B99EF-3710-24D4-4DA5-529E17379E9A}"/>
+              </a:ext>
+            </a:extLst>
+          </p:cNvPr>
+          <p:cNvCxnSpPr>
+            <a:cxnSpLocks/>
+          </p:cNvCxnSpPr>
+          <p:nvPr/>
+        </p:nvCxnSpPr>
+        <p:spPr>
+          <a:xfrm flipV="1">
+            <a:off x="7907311" y="3615953"/>
+            <a:ext cx="473573" cy="581045"/>
+          </a:xfrm>
+          <a:prstGeom prst="straightConnector1">
+            <a:avLst/>
+          </a:prstGeom>
+          <a:ln w="25400">
+            <a:solidFill>
+              <a:schemeClr val="tx1"/>
+            </a:solidFill>
+            <a:prstDash val="sysDash"/>
+            <a:headEnd type="none" w="med" len="med"/>
+            <a:tailEnd type="triangle"/>
+          </a:ln>
+        </p:spPr>
+        <p:style>
+          <a:lnRef idx="1">
+            <a:schemeClr val="accent1"/>
+          </a:lnRef>
+          <a:fillRef idx="0">
+            <a:schemeClr val="accent1"/>
+          </a:fillRef>
+          <a:effectRef idx="0">
+            <a:schemeClr val="accent1"/>
+          </a:effectRef>
+          <a:fontRef idx="minor">
+            <a:schemeClr val="tx1"/>
+          </a:fontRef>
+        </p:style>
+      </p:cxnSp>
     </p:spTree>
     <p:extLst>
       <p:ext uri="{BB962C8B-B14F-4D97-AF65-F5344CB8AC3E}">
         <p14:creationId xmlns:p14="http://schemas.microsoft.com/office/powerpoint/2010/main" val="2316392955"/>
+      </p:ext>
+    </p:extLst>
+  </p:cSld>
+  <p:clrMapOvr>
+    <a:masterClrMapping/>
+  </p:clrMapOvr>
+</p:sld>
+</file>
+
+<file path=ppt/slides/slide3.xml><?xml version="1.0" encoding="utf-8"?>
+<p:sld xmlns:a="http://schemas.openxmlformats.org/drawingml/2006/main" xmlns:r="http://schemas.openxmlformats.org/officeDocument/2006/relationships" xmlns:p="http://schemas.openxmlformats.org/presentationml/2006/main">
+  <p:cSld>
+    <p:spTree>
+      <p:nvGrpSpPr>
+        <p:cNvPr id="1" name="">
+          <a:extLst>
+            <a:ext uri="{FF2B5EF4-FFF2-40B4-BE49-F238E27FC236}">
+              <a16:creationId xmlns:a16="http://schemas.microsoft.com/office/drawing/2014/main" id="{57B216EF-1763-059E-6E8A-AFC1A0901EB0}"/>
+            </a:ext>
+          </a:extLst>
+        </p:cNvPr>
+        <p:cNvGrpSpPr/>
+        <p:nvPr/>
+      </p:nvGrpSpPr>
+      <p:grpSpPr>
+        <a:xfrm>
+          <a:off x="0" y="0"/>
+          <a:ext cx="0" cy="0"/>
+          <a:chOff x="0" y="0"/>
+          <a:chExt cx="0" cy="0"/>
+        </a:xfrm>
+      </p:grpSpPr>
+      <p:sp>
+        <p:nvSpPr>
+          <p:cNvPr id="2" name="Textplatzhalter 1">
+            <a:extLst>
+              <a:ext uri="{FF2B5EF4-FFF2-40B4-BE49-F238E27FC236}">
+                <a16:creationId xmlns:a16="http://schemas.microsoft.com/office/drawing/2014/main" id="{75FF747B-22D5-3078-BC09-267FBF4D49D3}"/>
+              </a:ext>
+            </a:extLst>
+          </p:cNvPr>
+          <p:cNvSpPr>
+            <a:spLocks noGrp="1"/>
+          </p:cNvSpPr>
+          <p:nvPr>
+            <p:ph type="body" sz="quarter" idx="10"/>
+          </p:nvPr>
+        </p:nvSpPr>
+        <p:spPr>
+          <a:xfrm>
+            <a:off x="501650" y="1228060"/>
+            <a:ext cx="11186477" cy="5117178"/>
+          </a:xfrm>
+        </p:spPr>
+        <p:txBody>
+          <a:bodyPr/>
+          <a:lstStyle/>
+          <a:p>
+            <a:r>
+              <a:rPr lang="de-DE" dirty="0">
+                <a:solidFill>
+                  <a:schemeClr val="tx2">
+                    <a:lumMod val="75000"/>
+                  </a:schemeClr>
+                </a:solidFill>
+              </a:rPr>
+              <a:t>Architecture </a:t>
+            </a:r>
+            <a:r>
+              <a:rPr lang="de-DE" dirty="0" err="1">
+                <a:solidFill>
+                  <a:schemeClr val="tx2">
+                    <a:lumMod val="75000"/>
+                  </a:schemeClr>
+                </a:solidFill>
+              </a:rPr>
+              <a:t>Overview</a:t>
+            </a:r>
+            <a:endParaRPr lang="de-DE" dirty="0">
+              <a:solidFill>
+                <a:schemeClr val="tx2">
+                  <a:lumMod val="75000"/>
+                </a:schemeClr>
+              </a:solidFill>
+            </a:endParaRPr>
+          </a:p>
+        </p:txBody>
+      </p:sp>
+      <p:sp>
+        <p:nvSpPr>
+          <p:cNvPr id="3" name="Titel 2">
+            <a:extLst>
+              <a:ext uri="{FF2B5EF4-FFF2-40B4-BE49-F238E27FC236}">
+                <a16:creationId xmlns:a16="http://schemas.microsoft.com/office/drawing/2014/main" id="{D15EFE48-BEEB-7B8A-2031-5FB3D18A07BD}"/>
+              </a:ext>
+            </a:extLst>
+          </p:cNvPr>
+          <p:cNvSpPr>
+            <a:spLocks noGrp="1"/>
+          </p:cNvSpPr>
+          <p:nvPr>
+            <p:ph type="title"/>
+          </p:nvPr>
+        </p:nvSpPr>
+        <p:spPr>
+          <a:xfrm>
+            <a:off x="504001" y="504000"/>
+            <a:ext cx="11186476" cy="369332"/>
+          </a:xfrm>
+        </p:spPr>
+        <p:txBody>
+          <a:bodyPr/>
+          <a:lstStyle/>
+          <a:p>
+            <a:r>
+              <a:rPr lang="en-US" dirty="0">
+                <a:solidFill>
+                  <a:schemeClr val="tx2">
+                    <a:lumMod val="60000"/>
+                    <a:lumOff val="40000"/>
+                  </a:schemeClr>
+                </a:solidFill>
+              </a:rPr>
+              <a:t>Agentic Era Hackathon - </a:t>
+            </a:r>
+            <a:r>
+              <a:rPr lang="de-DE" dirty="0" err="1">
+                <a:solidFill>
+                  <a:schemeClr val="tx2">
+                    <a:lumMod val="75000"/>
+                  </a:schemeClr>
+                </a:solidFill>
+              </a:rPr>
+              <a:t>FinAgentX</a:t>
+            </a:r>
+            <a:endParaRPr lang="de-DE" dirty="0">
+              <a:solidFill>
+                <a:schemeClr val="tx2">
+                  <a:lumMod val="60000"/>
+                  <a:lumOff val="40000"/>
+                </a:schemeClr>
+              </a:solidFill>
+            </a:endParaRPr>
+          </a:p>
+        </p:txBody>
+      </p:sp>
+      <p:pic>
+        <p:nvPicPr>
+          <p:cNvPr id="11" name="Picture 10">
+            <a:extLst>
+              <a:ext uri="{FF2B5EF4-FFF2-40B4-BE49-F238E27FC236}">
+                <a16:creationId xmlns:a16="http://schemas.microsoft.com/office/drawing/2014/main" id="{505690D6-1EBE-C42E-EBC9-E9E01A608FF9}"/>
+              </a:ext>
+            </a:extLst>
+          </p:cNvPr>
+          <p:cNvPicPr>
+            <a:picLocks noChangeAspect="1"/>
+          </p:cNvPicPr>
+          <p:nvPr/>
+        </p:nvPicPr>
+        <p:blipFill>
+          <a:blip r:embed="rId2"/>
+          <a:stretch>
+            <a:fillRect/>
+          </a:stretch>
+        </p:blipFill>
+        <p:spPr>
+          <a:xfrm>
+            <a:off x="4082328" y="1228060"/>
+            <a:ext cx="6382974" cy="4966284"/>
+          </a:xfrm>
+          <a:prstGeom prst="rect">
+            <a:avLst/>
+          </a:prstGeom>
+        </p:spPr>
+      </p:pic>
+    </p:spTree>
+    <p:extLst>
+      <p:ext uri="{BB962C8B-B14F-4D97-AF65-F5344CB8AC3E}">
+        <p14:creationId xmlns:p14="http://schemas.microsoft.com/office/powerpoint/2010/main" val="431834141"/>
       </p:ext>
     </p:extLst>
   </p:cSld>
@@ -21954,62 +23102,34 @@
 </file>
 
 <file path=customXml/item1.xml><?xml version="1.0" encoding="utf-8"?>
-<TemplafySlideTemplateConfiguration><![CDATA[{"slideVersion":1,"isValidatorEnabled":false,"isLocked":false,"elementsMetadata":[{"type":"shape","elementConfiguration":{"binding":"{{StringJoin(\", \", Form.SpeakerName,\"SAP\")}}","type":"text","disableUpdates":false}},{"type":"shape","elementConfiguration":{"binding":"{{FormatDateTime(Form.Date,\"MMMM dd, yyyy\",\"en-US\")}}","type":"text","disableUpdates":false}},{"type":"shape","elementConfiguration":{"inheritDimensions":"{{InheritDimensions.InheritNone}}","width":"","height":"1 cm","image":"{{Form.SAPLogo.SubbrandWhite}}","visibility":"","type":"image","disableUpdates":false}},{"type":"shape","elementConfiguration":{"binding":"{{Form.Classification.Display}}","visibility":"","type":"text","disableUpdates":false}}],"slideId":"638331234102692406","enableDocumentContentUpdater":false,"version":"2.0"}]]></TemplafySlideTemplateConfiguration>
+<TemplafySlideFormConfiguration><![CDATA[{"formFields":[{"distinct":false,"hideIfNoUserInteractionRequired":false,"required":true,"autoSelectFirstOption":false,"shareValue":false,"type":"dropDown","dataSourceName":"PPTSubBrandLogos2023","dataSourceFieldName":"Name","name":"SAPLogo","label":"Select Template"},{"distinct":false,"hideIfNoUserInteractionRequired":false,"required":true,"autoSelectFirstOption":false,"shareValue":false,"type":"dropDown","dataSourceName":"Classification","dataSourceFieldName":"Name","name":"Classification","label":"Select Classification"},{"required":false,"shareValue":false,"type":"datePicker","name":"Date","label":"Date"},{"required":false,"placeholder":"","lines":1,"defaultValue":"{{StringJoin(\" \", UserProfile.FirstName,UserProfile.LastName)}}","helpTexts":{"prefix":"After your name, include your preferred pronouns (they/them, she/her, he/him)."},"shareValue":false,"type":"textBox","name":"SpeakerName","label":"Name and Pronouns"}],"formDataEntries":[]}]]></TemplafySlideFormConfiguration>
 </file>
 
 <file path=customXml/item10.xml><?xml version="1.0" encoding="utf-8"?>
+<TemplafySlideTemplateConfiguration><![CDATA[{"slideVersion":1,"isValidatorEnabled":false,"isLocked":false,"elementsMetadata":[],"slideId":"638331234103099669","enableDocumentContentUpdater":false,"version":"2.0"}]]></TemplafySlideTemplateConfiguration>
+</file>
+
+<file path=customXml/item11.xml><?xml version="1.0" encoding="utf-8"?>
+<TemplafySlideFormConfiguration><![CDATA[{"formFields":[],"formDataEntries":[]}]]></TemplafySlideFormConfiguration>
+</file>
+
+<file path=customXml/item12.xml><?xml version="1.0" encoding="utf-8"?>
+<TemplafySlideTemplateConfiguration><![CDATA[{"slideVersion":1,"isValidatorEnabled":false,"isLocked":false,"elementsMetadata":[],"slideId":"638331234103040955","enableDocumentContentUpdater":false,"version":"2.0"}]]></TemplafySlideTemplateConfiguration>
+</file>
+
+<file path=customXml/item13.xml><?xml version="1.0" encoding="utf-8"?>
+<TemplafySlideFormConfiguration><![CDATA[{"formFields":[{"distinct":false,"hideIfNoUserInteractionRequired":false,"required":true,"autoSelectFirstOption":false,"shareValue":false,"type":"dropDown","dataSourceName":"PPTSubBrandLogos2023","dataSourceFieldName":"Name","name":"SAPLogo","label":"Select Template"},{"distinct":false,"hideIfNoUserInteractionRequired":false,"required":true,"autoSelectFirstOption":false,"shareValue":false,"type":"dropDown","dataSourceName":"Classification","dataSourceFieldName":"Name","name":"Classification","label":"Select Classification"},{"required":false,"shareValue":false,"type":"datePicker","name":"Date","label":"Date"},{"required":false,"placeholder":"","lines":1,"defaultValue":"{{StringJoin(\" \", UserProfile.FirstName,UserProfile.LastName)}}","helpTexts":{"prefix":"After your name, include your preferred pronouns (they/them, she/her, he/him)."},"shareValue":false,"type":"textBox","name":"SpeakerName","label":"Name and Pronouns"}],"formDataEntries":[]}]]></TemplafySlideFormConfiguration>
+</file>
+
+<file path=customXml/item14.xml><?xml version="1.0" encoding="utf-8"?>
+<TemplafySlideTemplateConfiguration><![CDATA[{"slideVersion":1,"isValidatorEnabled":false,"isLocked":false,"elementsMetadata":[{"type":"shape","elementConfiguration":{"binding":"{{Form.SpeakerName}}","type":"text","disableUpdates":false}},{"type":"shape","elementConfiguration":{"binding":"{{Form.Email}}","type":"text","disableUpdates":false}},{"type":"shape","elementConfiguration":{"binding":"{{DataSources.PPTCopyRight[\"Slide 5 copyright\"].CopyrightMessage}}","visibility":"","type":"text","disableUpdates":false}}],"slideId":"638331234103056874","enableDocumentContentUpdater":false,"version":"2.0"}]]></TemplafySlideTemplateConfiguration>
+</file>
+
+<file path=customXml/item15.xml><?xml version="1.0" encoding="utf-8"?>
 <TemplafySlideFormConfiguration><![CDATA[{"formFields":[{"required":false,"placeholder":"","lines":1,"defaultValue":"{{StringJoin(\" \", UserProfile.FirstName,UserProfile.LastName)}}","helpTexts":{"prefix":"After your name, include your preferred pronouns (they/them, she/her, he/him)."},"shareValue":false,"type":"textBox","name":"SpeakerName","label":"Name and Pronouns"},{"required":false,"placeholder":"","lines":1,"defaultValue":"{{UserProfile.Email}}","shareValue":false,"type":"textBox","name":"Email","label":"Email"}],"formDataEntries":[]}]]></TemplafySlideFormConfiguration>
 </file>
 
-<file path=customXml/item11.xml><?xml version="1.0" encoding="utf-8"?>
-<TemplafySlideTemplateConfiguration><![CDATA[{"slideVersion":1,"isValidatorEnabled":false,"isLocked":false,"elementsMetadata":[{"type":"shape","elementConfiguration":{"binding":"{{StringJoin(\", \", Form.SpeakerName,\"SAP\")}}","type":"text","disableUpdates":false}},{"type":"shape","elementConfiguration":{"binding":"{{FormatDateTime(Form.Date,\"MMMM dd, yyyy\",\"en-US\")}}","type":"text","disableUpdates":false}},{"type":"shape","elementConfiguration":{"inheritDimensions":"{{InheritDimensions.InheritNone}}","width":"","height":"1 cm","image":"{{Form.SAPLogo.SubbrandWhite}}","visibility":"","type":"image","disableUpdates":false}},{"type":"shape","elementConfiguration":{"binding":"{{Form.Classification.Display}}","visibility":"","type":"text","disableUpdates":false}}],"slideId":"638331234102430701","enableDocumentContentUpdater":false,"version":"2.0"}]]></TemplafySlideTemplateConfiguration>
-</file>
-
-<file path=customXml/item12.xml><?xml version="1.0" encoding="utf-8"?>
-<TemplafySlideFormConfiguration><![CDATA[{"formFields":[{"distinct":false,"hideIfNoUserInteractionRequired":false,"required":true,"autoSelectFirstOption":false,"shareValue":false,"type":"dropDown","dataSourceName":"PPTSubBrandLogos2023","dataSourceFieldName":"Name","name":"SAPLogo","label":"Select Template"},{"distinct":false,"hideIfNoUserInteractionRequired":false,"required":true,"autoSelectFirstOption":false,"shareValue":false,"type":"dropDown","dataSourceName":"Classification","dataSourceFieldName":"Name","name":"Classification","label":"Select Classification"},{"required":false,"shareValue":false,"type":"datePicker","name":"Date","label":"Date"},{"required":false,"placeholder":"","lines":1,"defaultValue":"{{StringJoin(\" \", UserProfile.FirstName,UserProfile.LastName)}}","helpTexts":{"prefix":"After your name, include your preferred pronouns (they/them, she/her, he/him)."},"shareValue":false,"type":"textBox","name":"SpeakerName","label":"Name and Pronouns"}],"formDataEntries":[]}]]></TemplafySlideFormConfiguration>
-</file>
-
-<file path=customXml/item13.xml><?xml version="1.0" encoding="utf-8"?>
-<TemplafySlideTemplateConfiguration><![CDATA[{"slideVersion":1,"isValidatorEnabled":false,"isLocked":false,"elementsMetadata":[{"type":"shape","elementConfiguration":{"binding":"{{Form.SpeakerName}}","type":"text","disableUpdates":false}},{"type":"shape","elementConfiguration":{"binding":"{{Form.Email}}","type":"text","disableUpdates":false}},{"type":"shape","elementConfiguration":{"binding":"{{DataSources.PPTCopyRight[\"Slide 5 copyright\"].CopyrightMessage}}","visibility":"","type":"text","disableUpdates":false}}],"slideId":"638331234103056874","enableDocumentContentUpdater":false,"version":"2.0"}]]></TemplafySlideTemplateConfiguration>
-</file>
-
-<file path=customXml/item14.xml><?xml version="1.0" encoding="utf-8"?>
-<TemplafySlideTemplateConfiguration><![CDATA[{"slideVersion":1,"isValidatorEnabled":false,"isLocked":false,"elementsMetadata":[{"type":"shape","elementConfiguration":{"binding":"{{StringJoin(\", \", Form.SpeakerName,\"SAP\")}}","type":"text","disableUpdates":false}},{"type":"shape","elementConfiguration":{"binding":"{{FormatDateTime(Form.Date,\"MMMM dd, yyyy\",\"en-US\")}}","type":"text","disableUpdates":false}},{"type":"shape","elementConfiguration":{"inheritDimensions":"{{InheritDimensions.InheritNone}}","width":"","height":"1 cm","image":"{{Form.SAPLogo.SubbrandBlue}}","visibility":"","type":"image","disableUpdates":false}},{"type":"shape","elementConfiguration":{"binding":"{{Form.Classification.Display}}","visibility":"","type":"text","disableUpdates":false}}],"slideId":"638331234101560684","enableDocumentContentUpdater":false,"version":"2.0"}]]></TemplafySlideTemplateConfiguration>
-</file>
-
-<file path=customXml/item15.xml><?xml version="1.0" encoding="utf-8"?>
-<TemplafySlideFormConfiguration><![CDATA[{"formFields":[],"formDataEntries":[]}]]></TemplafySlideFormConfiguration>
-</file>
-
 <file path=customXml/item16.xml><?xml version="1.0" encoding="utf-8"?>
-<TemplafyTemplateConfiguration><![CDATA[{"elementsMetadata":[{"type":"shape","id":"1df0b5c3-c399-4d80-afa5-baa0f5e07b52","elementConfiguration":{"binding":"{{ DataSources.Classification[Form.Classification.Name].Display}}","type":"text","disableUpdates":false}},{"type":"shape","id":"4730df89-118a-4dac-850a-22582fba25ef","elementConfiguration":{"inheritDimensions":"{{InheritDimensions.InheritNone}}","width":"","height":"1 cm","image":"{{Form.SAPLogo.SubbrandBlue}}","visibility":"","type":"image","disableUpdates":false}},{"type":"shape","id":"3b3005ec-996c-4d76-a358-795127b0f977","elementConfiguration":{"binding":"{{Form.Classification.Display}}","visibility":"","type":"text","disableUpdates":false}},{"type":"shape","id":"4fb6f5d1-82cd-4ab1-ae44-7e64d037ef1d","elementConfiguration":{"binding":"{{Form.Classification.Display}}","visibility":"","type":"text","disableUpdates":false}},{"type":"shape","id":"6e8f8d3c-486c-440f-9e89-010c51d1337f","elementConfiguration":{"inheritDimensions":"{{InheritDimensions.InheritNone}}","width":"","height":"1 cm","image":"{{Form.SAPLogo.SubbrandBlack}}","visibility":"","type":"image","disableUpdates":false}},{"type":"shape","id":"c91d4f96-eb02-4c57-a0e1-338790f88ede","elementConfiguration":{"inheritDimensions":"{{InheritDimensions.InheritNone}}","width":"","height":"1 cm","image":"{{Form.SAPLogo.SubbrandWhite}}","visibility":"","type":"image","disableUpdates":false}},{"type":"shape","id":"54a69f23-ff76-4f65-96bb-a6bf00e9647f","elementConfiguration":{"binding":"{{Form.Classification.Display}}","visibility":"","type":"text","disableUpdates":false}},{"type":"shape","id":"6c7bdae5-f4a4-41ef-bce1-a9de047427a3","elementConfiguration":{"inheritDimensions":"{{InheritDimensions.InheritNone}}","width":"","height":"1 cm","image":"{{Form.SAPLogo.SubbrandBlue}}","visibility":"","type":"image","disableUpdates":false}},{"type":"shape","id":"31826e07-6bd8-46cf-99a6-aba87324adbb","elementConfiguration":{"binding":"{{Form.Classification.Display}}","visibility":"","type":"text","disableUpdates":false}},{"type":"shape","id":"f232a519-5ff6-4053-bb5b-b23e1adaee18","elementConfiguration":{"inheritDimensions":"{{InheritDimensions.InheritNone}}","width":"","height":"1 cm","image":"{{Form.SAPLogo.SubbrandBlue}}","visibility":"","type":"image","disableUpdates":false}},{"type":"shape","id":"27682cf1-0696-470f-9efa-616f4870e8a0","elementConfiguration":{"binding":"{{Form.Classification.Display}}","visibility":"","type":"text","disableUpdates":false}},{"type":"shape","id":"e60c395f-8fa7-41cf-b146-37c7272e7cfb","elementConfiguration":{"inheritDimensions":"{{InheritDimensions.InheritNone}}","width":"","height":"1 cm","image":"{{Form.SAPLogo.SubbrandBlue}}","visibility":"","type":"image","disableUpdates":false}},{"type":"shape","id":"55d87788-2e60-4526-97e4-cc625eeee8de","elementConfiguration":{"binding":"{{Form.Classification.Display}}","visibility":"","type":"text","disableUpdates":false}},{"type":"shape","id":"bbbbfe71-eb37-4ff2-9c3b-eb5f58cbcbf4","elementConfiguration":{"inheritDimensions":"{{InheritDimensions.InheritNone}}","width":"","height":"1 cm","image":"{{Form.SAPLogo.SubbrandWhite}}","visibility":"","type":"image","disableUpdates":false}},{"type":"shape","id":"fb8eac9c-b638-44dd-a22a-7637e30f5e37","elementConfiguration":{"binding":"{{Form.Classification.Display}}","visibility":"","type":"text","disableUpdates":false}},{"type":"shape","id":"eb9adf6b-a999-43b4-87a5-c81e58f16e94","elementConfiguration":{"binding":"{{DataSources.PPTCopyRight[\"Slide 5 copyright\"].CopyrightMessage}}","visibility":"","type":"text","disableUpdates":false}},{"type":"shape","id":"e1ce98cc-b5e7-4d57-bbf2-b85890640f17","elementConfiguration":{"inheritDimensions":"{{InheritDimensions.InheritNone}}","width":"","height":"1 cm","image":"{{Form.SAPLogo.SubbrandBlack}}","visibility":"","type":"image","disableUpdates":false}},{"type":"shape","id":"e21c6111-be2c-44a0-a2aa-df88facd3edb","elementConfiguration":{"binding":"{{Form.Classification.Display}}","visibility":"","type":"text","disableUpdates":false}},{"type":"shape","id":"2de5be2a-d3c3-4ddf-bfce-d8d47df28dbb","elementConfiguration":{"inheritDimensions":"{{InheritDimensions.InheritNone}}","width":"","height":"1 cm","image":"{{Form.SAPLogo.SubbrandWhite}}","visibility":"","type":"image","disableUpdates":false}},{"type":"shape","id":"ae7c7b96-b70f-4e7a-b733-583422dd9c67","elementConfiguration":{"binding":"{{Form.Classification.Display}}","visibility":"","type":"text","disableUpdates":false}},{"type":"shape","id":"c1eb01f2-9e1f-430d-b8b5-2c5ca45c20b6","elementConfiguration":{"inheritDimensions":"{{InheritDimensions.InheritNone}}","width":"","height":"1 cm","image":"{{Form.SAPLogo.SubbrandBlack}}","visibility":"","type":"image","disableUpdates":false}},{"type":"shape","id":"790acb4e-ca71-45a1-a6aa-15bb3a352e16","elementConfiguration":{"binding":"{{Form.Classification.Display}}","visibility":"","type":"text","disableUpdates":false}},{"type":"shape","id":"2fc7f057-0369-4ed6-8a09-948d28d95ffb","elementConfiguration":{"inheritDimensions":"{{InheritDimensions.InheritNone}}","width":"","height":"1 cm","image":"{{Form.SAPLogo.SubbrandWhite}}","visibility":"","type":"image","disableUpdates":false}},{"type":"shape","id":"9c26c798-5a7f-4e71-a771-0737e45e4efe","elementConfiguration":{"binding":"{{Form.Classification.Display}}","visibility":"","type":"text","disableUpdates":false}},{"type":"shape","id":"1c29bb78-5811-4cd4-811f-7882c0a69982","elementConfiguration":{"inheritDimensions":"{{InheritDimensions.InheritNone}}","width":"","height":"1 cm","image":"{{Form.SAPLogo.SubbrandWhite}}","visibility":"","type":"image","disableUpdates":false}},{"type":"shape","id":"58f345ad-7bdb-419e-8713-85ce06a158f4","elementConfiguration":{"binding":"{{Form.Classification.Display}}","visibility":"","type":"text","disableUpdates":false}},{"type":"shape","id":"3fa50bdb-3142-405e-880c-0380db712567","elementConfiguration":{"binding":"{{StringJoin(\", \", Form.SpeakerName,\"SAP\")}}","type":"text","disableUpdates":false}},{"type":"shape","id":"7ba1bdc3-6de1-4200-a6e0-b1800360e955","elementConfiguration":{"binding":"{{FormatDateTime(Form.Date,\"MMMM dd, yyyy\",\"en-US\")}}","type":"text","disableUpdates":false}},{"type":"shape","id":"038d2caa-100a-48e2-a85a-ae9df4466d25","elementConfiguration":{"binding":"{{StringJoin(\", \", Form.SpeakerName,\"SAP\")}}","type":"text","disableUpdates":false}},{"type":"shape","id":"06373794-4453-4ce4-8a0f-1e74545fdebf","elementConfiguration":{"binding":"{{FormatDateTime(Form.Date,\"MMMM dd, yyyy\",\"en-US\")}}","type":"text","disableUpdates":false}},{"type":"shape","id":"17da9310-e182-49c8-9e08-07dbe704575b","elementConfiguration":{"binding":"{{Form.SpeakerName}}","type":"text","disableUpdates":false}},{"type":"shape","id":"a5258a79-f3e0-48a9-bce0-c4a339708677","elementConfiguration":{"binding":"{{Form.Email}}","type":"text","disableUpdates":false}},{"type":"shape","id":"00227b4d-4db8-4a4b-b540-7d73284d492e","elementConfiguration":{"binding":"{{StringJoin(\", \", Form.SpeakerName,\"SAP\")}}","type":"text","disableUpdates":false}},{"type":"shape","id":"f246cb59-7dc1-4e47-aa19-199113a496ad","elementConfiguration":{"binding":"{{FormatDateTime(Form.Date,\"MMMM dd, yyyy\",\"en-US\")}}","type":"text","disableUpdates":false}},{"type":"shape","id":"b3642e98-d784-4710-b703-2415031999c0","elementConfiguration":{"binding":"{{StringJoin(\", \", Form.SpeakerName,\"SAP\")}}","type":"text","disableUpdates":false}},{"type":"shape","id":"b1649ea4-f984-49ae-a3a1-5e732da06700","elementConfiguration":{"binding":"{{FormatDateTime(Form.Date,\"MMMM dd, yyyy\",\"en-US\")}}","type":"text","disableUpdates":false}},{"type":"shape","id":"817f2cac-476f-4f09-9a5b-f65cb78c8457","elementConfiguration":{"binding":"{{StringJoin(\", \", Form.SpeakerName,\"SAP\")}}","type":"text","disableUpdates":false}},{"type":"shape","id":"378927af-789e-478a-98db-01e3a717f61a","elementConfiguration":{"binding":"{{FormatDateTime(Form.Date,\"MMMM dd, yyyy\",\"en-US\")}}","type":"text","disableUpdates":false}},{"type":"shape","id":"f623d31c-4198-4495-bf52-bf36155f6b34","elementConfiguration":{"binding":"{{StringJoin(\", \", Form.SpeakerName,\"SAP\")}}","type":"text","disableUpdates":false}},{"type":"shape","id":"da33ba28-87ff-4f5f-b399-aa059e6b787a","elementConfiguration":{"binding":"{{FormatDateTime(Form.Date,\"MMMM dd, yyyy\",\"en-US\")}}","type":"text","disableUpdates":false}}],"transformationConfigurations":[],"templateName":"SAP Template NEW","templateDescription":"","enableDocumentContentUpdater":true,"version":"2.0"}]]></TemplafyTemplateConfiguration>
-</file>
-
-<file path=customXml/item17.xml><?xml version="1.0" encoding="utf-8"?>
-<TemplafySlideTemplateConfiguration><![CDATA[{"slideVersion":1,"isValidatorEnabled":false,"isLocked":false,"elementsMetadata":[],"slideId":"638331234102931200","enableDocumentContentUpdater":false,"version":"2.0"}]]></TemplafySlideTemplateConfiguration>
-</file>
-
-<file path=customXml/item18.xml><?xml version="1.0" encoding="utf-8"?>
-<TemplafySlideTemplateConfiguration><![CDATA[{"slideVersion":1,"isValidatorEnabled":false,"isLocked":false,"elementsMetadata":[{"type":"shape","elementConfiguration":{"binding":"{{StringJoin(\", \", Form.SpeakerName,\"SAP\")}}","type":"text","disableUpdates":false}},{"type":"shape","elementConfiguration":{"binding":"{{FormatDateTime(Form.Date,\"MMMM dd, yyyy\",\"en-US\")}}","type":"text","disableUpdates":false}},{"type":"shape","elementConfiguration":{"inheritDimensions":"{{InheritDimensions.InheritNone}}","width":"","height":"1 cm","image":"{{Form.SAPLogo.SubbrandBlue}}","visibility":"","type":"image","disableUpdates":false}},{"type":"shape","elementConfiguration":{"binding":"{{Form.Classification.Display}}","visibility":"","type":"text","disableUpdates":false}}],"slideId":"638331234102843511","enableDocumentContentUpdater":false,"version":"2.0"}]]></TemplafySlideTemplateConfiguration>
-</file>
-
-<file path=customXml/item19.xml><?xml version="1.0" encoding="utf-8"?>
-<TemplafySlideTemplateConfiguration><![CDATA[{"slideVersion":1,"isValidatorEnabled":false,"isLocked":false,"elementsMetadata":[],"slideId":"638331234103099669","enableDocumentContentUpdater":false,"version":"2.0"}]]></TemplafySlideTemplateConfiguration>
-</file>
-
-<file path=customXml/item2.xml><?xml version="1.0" encoding="utf-8"?>
-<TemplafySlideTemplateConfiguration><![CDATA[{"slideVersion":1,"isValidatorEnabled":false,"isLocked":false,"elementsMetadata":[{"type":"shape","elementConfiguration":{"binding":"{{StringJoin(\", \", Form.SpeakerName,\"SAP\")}}","type":"text","disableUpdates":false}},{"type":"shape","elementConfiguration":{"binding":"{{FormatDateTime(Form.Date,\"MMMM dd, yyyy\",\"en-US\")}}","type":"text","disableUpdates":false}},{"type":"shape","elementConfiguration":{"inheritDimensions":"{{InheritDimensions.InheritNone}}","width":"","height":"1 cm","image":"{{Form.SAPLogo.SubbrandWhite}}","visibility":"","type":"image","disableUpdates":false}},{"type":"shape","elementConfiguration":{"binding":"{{Form.Classification.Display}}","visibility":"","type":"text","disableUpdates":false}}],"slideId":"638331234102776925","enableDocumentContentUpdater":false,"version":"2.0"}]]></TemplafySlideTemplateConfiguration>
-</file>
-
-<file path=customXml/item20.xml><?xml version="1.0" encoding="utf-8"?>
-<TemplafyFormConfiguration><![CDATA[{"formFields":[{"distinct":false,"hideIfNoUserInteractionRequired":false,"required":true,"autoSelectFirstOption":false,"shareValue":false,"type":"dropDown","dataSourceName":"PPTSubBrandLogos2023","dataSourceFieldName":"Name","name":"SAPLogo","label":"Select Template"},{"distinct":false,"hideIfNoUserInteractionRequired":false,"required":true,"autoSelectFirstOption":false,"shareValue":false,"type":"dropDown","dataSourceName":"Classification","dataSourceFieldName":"Name","name":"Classification","label":"Select Classification"},{"required":false,"shareValue":false,"type":"datePicker","name":"Date","label":"Date"},{"required":false,"placeholder":"","lines":1,"defaultValue":"{{StringJoin(\" \", UserProfile.FirstName,UserProfile.LastName)}}","helpTexts":{"prefix":"After your name, include your preferred pronouns (they/them, she/her, he/him)."},"shareValue":false,"type":"textBox","name":"SpeakerName","label":"Name and Pronouns"},{"required":false,"placeholder":"","lines":1,"defaultValue":"{{UserProfile.Email}}","shareValue":false,"type":"textBox","name":"Email","label":"Email"}],"formDataEntries":[{"name":"SAPLogo","value":"pxB0tb4qiCEYCgGk2fAV86fXsKRk9ZMKiRC3VaLJ5C8="},{"name":"Classification","value":"OmrOP8d402txjl1Zr787gUA6bTWeMdaxGEF9U5BKD64="},{"name":"SpeakerName","value":"YnPwfaWtJd9yqRikMcavEg=="},{"name":"Email","value":"v35+JSpO6F5yjM5PrFdVwQ=="}]}]]></TemplafyFormConfiguration>
-</file>
-
-<file path=customXml/item21.xml><?xml version="1.0" encoding="utf-8"?>
-<TemplafySlideFormConfiguration><![CDATA[{"formFields":[{"distinct":false,"hideIfNoUserInteractionRequired":false,"required":true,"autoSelectFirstOption":false,"shareValue":false,"type":"dropDown","dataSourceName":"PPTSubBrandLogos2023","dataSourceFieldName":"Name","name":"SAPLogo","label":"Select Template"},{"distinct":false,"hideIfNoUserInteractionRequired":false,"required":true,"autoSelectFirstOption":false,"shareValue":false,"type":"dropDown","dataSourceName":"Classification","dataSourceFieldName":"Name","name":"Classification","label":"Select Classification"},{"required":false,"shareValue":false,"type":"datePicker","name":"Date","label":"Date"},{"required":false,"placeholder":"","lines":1,"defaultValue":"{{StringJoin(\" \", UserProfile.FirstName,UserProfile.LastName)}}","helpTexts":{"prefix":"After your name, include your preferred pronouns (they/them, she/her, he/him)."},"shareValue":false,"type":"textBox","name":"SpeakerName","label":"Name and Pronouns"}],"formDataEntries":[]}]]></TemplafySlideFormConfiguration>
-</file>
-
-<file path=customXml/item22.xml><?xml version="1.0" encoding="utf-8"?>
 <p:properties xmlns:p="http://schemas.microsoft.com/office/2006/metadata/properties" xmlns:xsi="http://www.w3.org/2001/XMLSchema-instance" xmlns:pc="http://schemas.microsoft.com/office/infopath/2007/PartnerControls">
   <documentManagement>
     <lcf76f155ced4ddcb4097134ff3c332f xmlns="779f7773-5b16-460b-be9a-e10be11b395c">
@@ -22020,44 +23140,19 @@
 </p:properties>
 </file>
 
-<file path=customXml/item23.xml><?xml version="1.0" encoding="utf-8"?>
+<file path=customXml/item17.xml><?xml version="1.0" encoding="utf-8"?>
+<TemplafySlideTemplateConfiguration><![CDATA[{"slideVersion":1,"isValidatorEnabled":false,"isLocked":false,"elementsMetadata":[],"slideId":"638331234102931200","enableDocumentContentUpdater":false,"version":"2.0"}]]></TemplafySlideTemplateConfiguration>
+</file>
+
+<file path=customXml/item18.xml><?xml version="1.0" encoding="utf-8"?>
 <TemplafySlideFormConfiguration><![CDATA[{"formFields":[{"distinct":false,"hideIfNoUserInteractionRequired":false,"required":true,"autoSelectFirstOption":false,"shareValue":false,"type":"dropDown","dataSourceName":"PPTSubBrandLogos2023","dataSourceFieldName":"Name","name":"SAPLogo","label":"Select Template"},{"distinct":false,"hideIfNoUserInteractionRequired":false,"required":true,"autoSelectFirstOption":false,"shareValue":false,"type":"dropDown","dataSourceName":"Classification","dataSourceFieldName":"Name","name":"Classification","label":"Select Classification"},{"required":false,"shareValue":false,"type":"datePicker","name":"Date","label":"Date"},{"required":false,"placeholder":"","lines":1,"defaultValue":"{{StringJoin(\" \", UserProfile.FirstName,UserProfile.LastName)}}","helpTexts":{"prefix":"After your name, include your preferred pronouns (they/them, she/her, he/him)."},"shareValue":false,"type":"textBox","name":"SpeakerName","label":"Name and Pronouns"}],"formDataEntries":[]}]]></TemplafySlideFormConfiguration>
 </file>
 
-<file path=customXml/item24.xml><?xml version="1.0" encoding="utf-8"?>
+<file path=customXml/item19.xml><?xml version="1.0" encoding="utf-8"?>
 <TemplafySlideTemplateConfiguration><![CDATA[{"slideVersion":1,"isValidatorEnabled":false,"isLocked":false,"elementsMetadata":[],"slideId":"638331234102899225","enableDocumentContentUpdater":false,"version":"2.0"}]]></TemplafySlideTemplateConfiguration>
 </file>
 
-<file path=customXml/item25.xml><?xml version="1.0" encoding="utf-8"?>
-<TemplafySlideFormConfiguration><![CDATA[{"formFields":[],"formDataEntries":[]}]]></TemplafySlideFormConfiguration>
-</file>
-
-<file path=customXml/item26.xml><?xml version="1.0" encoding="utf-8"?>
-<TemplafySlideFormConfiguration><![CDATA[{"formFields":[{"distinct":false,"hideIfNoUserInteractionRequired":false,"required":true,"autoSelectFirstOption":false,"shareValue":false,"type":"dropDown","dataSourceName":"PPTSubBrandLogos2023","dataSourceFieldName":"Name","name":"SAPLogo","label":"Select Template"},{"distinct":false,"hideIfNoUserInteractionRequired":false,"required":true,"autoSelectFirstOption":false,"shareValue":false,"type":"dropDown","dataSourceName":"Classification","dataSourceFieldName":"Name","name":"Classification","label":"Select Classification"},{"required":false,"shareValue":false,"type":"datePicker","name":"Date","label":"Date"},{"required":false,"placeholder":"","lines":1,"defaultValue":"{{StringJoin(\" \", UserProfile.FirstName,UserProfile.LastName)}}","helpTexts":{"prefix":"After your name, include your preferred pronouns (they/them, she/her, he/him)."},"shareValue":false,"type":"textBox","name":"SpeakerName","label":"Name and Pronouns"}],"formDataEntries":[]}]]></TemplafySlideFormConfiguration>
-</file>
-
-<file path=customXml/item27.xml><?xml version="1.0" encoding="utf-8"?>
-<TemplafySlideFormConfiguration><![CDATA[{"formFields":[{"distinct":false,"hideIfNoUserInteractionRequired":false,"required":true,"autoSelectFirstOption":false,"shareValue":false,"type":"dropDown","dataSourceName":"PPTSubBrandLogos2023","dataSourceFieldName":"Name","name":"SAPLogo","label":"Select Template"},{"distinct":false,"hideIfNoUserInteractionRequired":false,"required":true,"autoSelectFirstOption":false,"shareValue":false,"type":"dropDown","dataSourceName":"Classification","dataSourceFieldName":"Name","name":"Classification","label":"Select Classification"},{"required":false,"shareValue":false,"type":"datePicker","name":"Date","label":"Date"},{"required":false,"placeholder":"","lines":1,"defaultValue":"{{StringJoin(\" \", UserProfile.FirstName,UserProfile.LastName)}}","helpTexts":{"prefix":"After your name, include your preferred pronouns (they/them, she/her, he/him)."},"shareValue":false,"type":"textBox","name":"SpeakerName","label":"Name and Pronouns"}],"formDataEntries":[]}]]></TemplafySlideFormConfiguration>
-</file>
-
-<file path=customXml/item3.xml><?xml version="1.0" encoding="utf-8"?>
-<TemplafySlideFormConfiguration><![CDATA[{"formFields":[{"distinct":false,"hideIfNoUserInteractionRequired":false,"required":true,"autoSelectFirstOption":false,"shareValue":false,"type":"dropDown","dataSourceName":"PPTSubBrandLogos2023","dataSourceFieldName":"Name","name":"SAPLogo","label":"Select Template"},{"distinct":false,"hideIfNoUserInteractionRequired":false,"required":true,"autoSelectFirstOption":false,"shareValue":false,"type":"dropDown","dataSourceName":"Classification","dataSourceFieldName":"Name","name":"Classification","label":"Select Classification"},{"required":false,"shareValue":false,"type":"datePicker","name":"Date","label":"Date"},{"required":false,"placeholder":"","lines":1,"defaultValue":"{{StringJoin(\" \", UserProfile.FirstName,UserProfile.LastName)}}","helpTexts":{"prefix":"After your name, include your preferred pronouns (they/them, she/her, he/him)."},"shareValue":false,"type":"textBox","name":"SpeakerName","label":"Name and Pronouns"}],"formDataEntries":[]}]]></TemplafySlideFormConfiguration>
-</file>
-
-<file path=customXml/item4.xml><?xml version="1.0" encoding="utf-8"?>
-<TemplafySlideTemplateConfiguration><![CDATA[{"slideVersion":1,"isValidatorEnabled":false,"isLocked":false,"elementsMetadata":[{"type":"shape","elementConfiguration":{"binding":"{{StringJoin(\", \", Form.SpeakerName,\"SAP\")}}","type":"text","disableUpdates":false}},{"type":"shape","elementConfiguration":{"binding":"{{FormatDateTime(Form.Date,\"MMMM dd, yyyy\",\"en-US\")}}","type":"text","disableUpdates":false}},{"type":"shape","elementConfiguration":{"binding":"{{Form.Classification.Display}}","visibility":"","type":"text","disableUpdates":false}},{"type":"shape","elementConfiguration":{"inheritDimensions":"{{InheritDimensions.InheritNone}}","width":"","height":"1 cm","image":"{{Form.SAPLogo.SubbrandBlack}}","visibility":"","type":"image","disableUpdates":false}}],"slideId":"638331234102547405","enableDocumentContentUpdater":false,"version":"2.0"}]]></TemplafySlideTemplateConfiguration>
-</file>
-
-<file path=customXml/item5.xml><?xml version="1.0" encoding="utf-8"?>
-<?mso-contentType ?>
-<FormTemplates xmlns="http://schemas.microsoft.com/sharepoint/v3/contenttype/forms">
-  <Display>DocumentLibraryForm</Display>
-  <Edit>DocumentLibraryForm</Edit>
-  <New>DocumentLibraryForm</New>
-</FormTemplates>
-</file>
-
-<file path=customXml/item6.xml><?xml version="1.0" encoding="utf-8"?>
+<file path=customXml/item2.xml><?xml version="1.0" encoding="utf-8"?>
 <ct:contentTypeSchema xmlns:ct="http://schemas.microsoft.com/office/2006/metadata/contentType" xmlns:ma="http://schemas.microsoft.com/office/2006/metadata/properties/metaAttributes" ct:_="" ma:_="" ma:contentTypeName="Document" ma:contentTypeID="0x010100AC4034B036C92A4A897F8A958DF51533" ma:contentTypeVersion="17" ma:contentTypeDescription="Create a new document." ma:contentTypeScope="" ma:versionID="9881b54d8c9689fbb993a4f7983e18ad">
   <xsd:schema xmlns:xsd="http://www.w3.org/2001/XMLSchema" xmlns:xs="http://www.w3.org/2001/XMLSchema" xmlns:p="http://schemas.microsoft.com/office/2006/metadata/properties" xmlns:ns2="779f7773-5b16-460b-be9a-e10be11b395c" xmlns:ns3="0e00d59e-b0d2-4e67-be34-67e465b0fbed" targetNamespace="http://schemas.microsoft.com/office/2006/metadata/properties" ma:root="true" ma:fieldsID="5587fbb7edc3a1e656e5ced3cd51c8e4" ns2:_="" ns3:_="">
     <xsd:import namespace="779f7773-5b16-460b-be9a-e10be11b395c"/>
@@ -22306,8 +23401,61 @@
 </ct:contentTypeSchema>
 </file>
 
+<file path=customXml/item20.xml><?xml version="1.0" encoding="utf-8"?>
+<TemplafySlideTemplateConfiguration><![CDATA[{"slideVersion":1,"isValidatorEnabled":false,"isLocked":false,"elementsMetadata":[{"type":"shape","elementConfiguration":{"binding":"{{StringJoin(\", \", Form.SpeakerName,\"SAP\")}}","type":"text","disableUpdates":false}},{"type":"shape","elementConfiguration":{"binding":"{{FormatDateTime(Form.Date,\"MMMM dd, yyyy\",\"en-US\")}}","type":"text","disableUpdates":false}},{"type":"shape","elementConfiguration":{"inheritDimensions":"{{InheritDimensions.InheritNone}}","width":"","height":"1 cm","image":"{{Form.SAPLogo.SubbrandBlue}}","visibility":"","type":"image","disableUpdates":false}},{"type":"shape","elementConfiguration":{"binding":"{{Form.Classification.Display}}","visibility":"","type":"text","disableUpdates":false}}],"slideId":"638331234101560684","enableDocumentContentUpdater":false,"version":"2.0"}]]></TemplafySlideTemplateConfiguration>
+</file>
+
+<file path=customXml/item21.xml><?xml version="1.0" encoding="utf-8"?>
+<TemplafySlideFormConfiguration><![CDATA[{"formFields":[{"distinct":false,"hideIfNoUserInteractionRequired":false,"required":true,"autoSelectFirstOption":false,"shareValue":false,"type":"dropDown","dataSourceName":"PPTSubBrandLogos2023","dataSourceFieldName":"Name","name":"SAPLogo","label":"Select Template"},{"distinct":false,"hideIfNoUserInteractionRequired":false,"required":true,"autoSelectFirstOption":false,"shareValue":false,"type":"dropDown","dataSourceName":"Classification","dataSourceFieldName":"Name","name":"Classification","label":"Select Classification"},{"required":false,"shareValue":false,"type":"datePicker","name":"Date","label":"Date"},{"required":false,"placeholder":"","lines":1,"defaultValue":"{{StringJoin(\" \", UserProfile.FirstName,UserProfile.LastName)}}","helpTexts":{"prefix":"After your name, include your preferred pronouns (they/them, she/her, he/him)."},"shareValue":false,"type":"textBox","name":"SpeakerName","label":"Name and Pronouns"}],"formDataEntries":[]}]]></TemplafySlideFormConfiguration>
+</file>
+
+<file path=customXml/item22.xml><?xml version="1.0" encoding="utf-8"?>
+<TemplafySlideFormConfiguration><![CDATA[{"formFields":[{"distinct":false,"hideIfNoUserInteractionRequired":false,"required":true,"autoSelectFirstOption":false,"shareValue":false,"type":"dropDown","dataSourceName":"PPTSubBrandLogos2023","dataSourceFieldName":"Name","name":"SAPLogo","label":"Select Template"},{"distinct":false,"hideIfNoUserInteractionRequired":false,"required":true,"autoSelectFirstOption":false,"shareValue":false,"type":"dropDown","dataSourceName":"Classification","dataSourceFieldName":"Name","name":"Classification","label":"Select Classification"},{"required":false,"shareValue":false,"type":"datePicker","name":"Date","label":"Date"},{"required":false,"placeholder":"","lines":1,"defaultValue":"{{StringJoin(\" \", UserProfile.FirstName,UserProfile.LastName)}}","helpTexts":{"prefix":"After your name, include your preferred pronouns (they/them, she/her, he/him)."},"shareValue":false,"type":"textBox","name":"SpeakerName","label":"Name and Pronouns"}],"formDataEntries":[]}]]></TemplafySlideFormConfiguration>
+</file>
+
+<file path=customXml/item23.xml><?xml version="1.0" encoding="utf-8"?>
+<TemplafySlideTemplateConfiguration><![CDATA[{"slideVersion":1,"isValidatorEnabled":false,"isLocked":false,"elementsMetadata":[{"type":"shape","elementConfiguration":{"binding":"{{StringJoin(\", \", Form.SpeakerName,\"SAP\")}}","type":"text","disableUpdates":false}},{"type":"shape","elementConfiguration":{"binding":"{{FormatDateTime(Form.Date,\"MMMM dd, yyyy\",\"en-US\")}}","type":"text","disableUpdates":false}},{"type":"shape","elementConfiguration":{"inheritDimensions":"{{InheritDimensions.InheritNone}}","width":"","height":"1 cm","image":"{{Form.SAPLogo.SubbrandWhite}}","visibility":"","type":"image","disableUpdates":false}},{"type":"shape","elementConfiguration":{"binding":"{{Form.Classification.Display}}","visibility":"","type":"text","disableUpdates":false}}],"slideId":"638331234102692406","enableDocumentContentUpdater":false,"version":"2.0"}]]></TemplafySlideTemplateConfiguration>
+</file>
+
+<file path=customXml/item24.xml><?xml version="1.0" encoding="utf-8"?>
+<TemplafyTemplateConfiguration><![CDATA[{"elementsMetadata":[{"type":"shape","id":"1df0b5c3-c399-4d80-afa5-baa0f5e07b52","elementConfiguration":{"binding":"{{ DataSources.Classification[Form.Classification.Name].Display}}","type":"text","disableUpdates":false}},{"type":"shape","id":"4730df89-118a-4dac-850a-22582fba25ef","elementConfiguration":{"inheritDimensions":"{{InheritDimensions.InheritNone}}","width":"","height":"1 cm","image":"{{Form.SAPLogo.SubbrandBlue}}","visibility":"","type":"image","disableUpdates":false}},{"type":"shape","id":"3b3005ec-996c-4d76-a358-795127b0f977","elementConfiguration":{"binding":"{{Form.Classification.Display}}","visibility":"","type":"text","disableUpdates":false}},{"type":"shape","id":"4fb6f5d1-82cd-4ab1-ae44-7e64d037ef1d","elementConfiguration":{"binding":"{{Form.Classification.Display}}","visibility":"","type":"text","disableUpdates":false}},{"type":"shape","id":"6e8f8d3c-486c-440f-9e89-010c51d1337f","elementConfiguration":{"inheritDimensions":"{{InheritDimensions.InheritNone}}","width":"","height":"1 cm","image":"{{Form.SAPLogo.SubbrandBlack}}","visibility":"","type":"image","disableUpdates":false}},{"type":"shape","id":"c91d4f96-eb02-4c57-a0e1-338790f88ede","elementConfiguration":{"inheritDimensions":"{{InheritDimensions.InheritNone}}","width":"","height":"1 cm","image":"{{Form.SAPLogo.SubbrandWhite}}","visibility":"","type":"image","disableUpdates":false}},{"type":"shape","id":"54a69f23-ff76-4f65-96bb-a6bf00e9647f","elementConfiguration":{"binding":"{{Form.Classification.Display}}","visibility":"","type":"text","disableUpdates":false}},{"type":"shape","id":"6c7bdae5-f4a4-41ef-bce1-a9de047427a3","elementConfiguration":{"inheritDimensions":"{{InheritDimensions.InheritNone}}","width":"","height":"1 cm","image":"{{Form.SAPLogo.SubbrandBlue}}","visibility":"","type":"image","disableUpdates":false}},{"type":"shape","id":"31826e07-6bd8-46cf-99a6-aba87324adbb","elementConfiguration":{"binding":"{{Form.Classification.Display}}","visibility":"","type":"text","disableUpdates":false}},{"type":"shape","id":"f232a519-5ff6-4053-bb5b-b23e1adaee18","elementConfiguration":{"inheritDimensions":"{{InheritDimensions.InheritNone}}","width":"","height":"1 cm","image":"{{Form.SAPLogo.SubbrandBlue}}","visibility":"","type":"image","disableUpdates":false}},{"type":"shape","id":"27682cf1-0696-470f-9efa-616f4870e8a0","elementConfiguration":{"binding":"{{Form.Classification.Display}}","visibility":"","type":"text","disableUpdates":false}},{"type":"shape","id":"e60c395f-8fa7-41cf-b146-37c7272e7cfb","elementConfiguration":{"inheritDimensions":"{{InheritDimensions.InheritNone}}","width":"","height":"1 cm","image":"{{Form.SAPLogo.SubbrandBlue}}","visibility":"","type":"image","disableUpdates":false}},{"type":"shape","id":"55d87788-2e60-4526-97e4-cc625eeee8de","elementConfiguration":{"binding":"{{Form.Classification.Display}}","visibility":"","type":"text","disableUpdates":false}},{"type":"shape","id":"bbbbfe71-eb37-4ff2-9c3b-eb5f58cbcbf4","elementConfiguration":{"inheritDimensions":"{{InheritDimensions.InheritNone}}","width":"","height":"1 cm","image":"{{Form.SAPLogo.SubbrandWhite}}","visibility":"","type":"image","disableUpdates":false}},{"type":"shape","id":"fb8eac9c-b638-44dd-a22a-7637e30f5e37","elementConfiguration":{"binding":"{{Form.Classification.Display}}","visibility":"","type":"text","disableUpdates":false}},{"type":"shape","id":"eb9adf6b-a999-43b4-87a5-c81e58f16e94","elementConfiguration":{"binding":"{{DataSources.PPTCopyRight[\"Slide 5 copyright\"].CopyrightMessage}}","visibility":"","type":"text","disableUpdates":false}},{"type":"shape","id":"e1ce98cc-b5e7-4d57-bbf2-b85890640f17","elementConfiguration":{"inheritDimensions":"{{InheritDimensions.InheritNone}}","width":"","height":"1 cm","image":"{{Form.SAPLogo.SubbrandBlack}}","visibility":"","type":"image","disableUpdates":false}},{"type":"shape","id":"e21c6111-be2c-44a0-a2aa-df88facd3edb","elementConfiguration":{"binding":"{{Form.Classification.Display}}","visibility":"","type":"text","disableUpdates":false}},{"type":"shape","id":"2de5be2a-d3c3-4ddf-bfce-d8d47df28dbb","elementConfiguration":{"inheritDimensions":"{{InheritDimensions.InheritNone}}","width":"","height":"1 cm","image":"{{Form.SAPLogo.SubbrandWhite}}","visibility":"","type":"image","disableUpdates":false}},{"type":"shape","id":"ae7c7b96-b70f-4e7a-b733-583422dd9c67","elementConfiguration":{"binding":"{{Form.Classification.Display}}","visibility":"","type":"text","disableUpdates":false}},{"type":"shape","id":"c1eb01f2-9e1f-430d-b8b5-2c5ca45c20b6","elementConfiguration":{"inheritDimensions":"{{InheritDimensions.InheritNone}}","width":"","height":"1 cm","image":"{{Form.SAPLogo.SubbrandBlack}}","visibility":"","type":"image","disableUpdates":false}},{"type":"shape","id":"790acb4e-ca71-45a1-a6aa-15bb3a352e16","elementConfiguration":{"binding":"{{Form.Classification.Display}}","visibility":"","type":"text","disableUpdates":false}},{"type":"shape","id":"2fc7f057-0369-4ed6-8a09-948d28d95ffb","elementConfiguration":{"inheritDimensions":"{{InheritDimensions.InheritNone}}","width":"","height":"1 cm","image":"{{Form.SAPLogo.SubbrandWhite}}","visibility":"","type":"image","disableUpdates":false}},{"type":"shape","id":"9c26c798-5a7f-4e71-a771-0737e45e4efe","elementConfiguration":{"binding":"{{Form.Classification.Display}}","visibility":"","type":"text","disableUpdates":false}},{"type":"shape","id":"1c29bb78-5811-4cd4-811f-7882c0a69982","elementConfiguration":{"inheritDimensions":"{{InheritDimensions.InheritNone}}","width":"","height":"1 cm","image":"{{Form.SAPLogo.SubbrandWhite}}","visibility":"","type":"image","disableUpdates":false}},{"type":"shape","id":"58f345ad-7bdb-419e-8713-85ce06a158f4","elementConfiguration":{"binding":"{{Form.Classification.Display}}","visibility":"","type":"text","disableUpdates":false}},{"type":"shape","id":"3fa50bdb-3142-405e-880c-0380db712567","elementConfiguration":{"binding":"{{StringJoin(\", \", Form.SpeakerName,\"SAP\")}}","type":"text","disableUpdates":false}},{"type":"shape","id":"7ba1bdc3-6de1-4200-a6e0-b1800360e955","elementConfiguration":{"binding":"{{FormatDateTime(Form.Date,\"MMMM dd, yyyy\",\"en-US\")}}","type":"text","disableUpdates":false}},{"type":"shape","id":"038d2caa-100a-48e2-a85a-ae9df4466d25","elementConfiguration":{"binding":"{{StringJoin(\", \", Form.SpeakerName,\"SAP\")}}","type":"text","disableUpdates":false}},{"type":"shape","id":"06373794-4453-4ce4-8a0f-1e74545fdebf","elementConfiguration":{"binding":"{{FormatDateTime(Form.Date,\"MMMM dd, yyyy\",\"en-US\")}}","type":"text","disableUpdates":false}},{"type":"shape","id":"17da9310-e182-49c8-9e08-07dbe704575b","elementConfiguration":{"binding":"{{Form.SpeakerName}}","type":"text","disableUpdates":false}},{"type":"shape","id":"a5258a79-f3e0-48a9-bce0-c4a339708677","elementConfiguration":{"binding":"{{Form.Email}}","type":"text","disableUpdates":false}},{"type":"shape","id":"00227b4d-4db8-4a4b-b540-7d73284d492e","elementConfiguration":{"binding":"{{StringJoin(\", \", Form.SpeakerName,\"SAP\")}}","type":"text","disableUpdates":false}},{"type":"shape","id":"f246cb59-7dc1-4e47-aa19-199113a496ad","elementConfiguration":{"binding":"{{FormatDateTime(Form.Date,\"MMMM dd, yyyy\",\"en-US\")}}","type":"text","disableUpdates":false}},{"type":"shape","id":"b3642e98-d784-4710-b703-2415031999c0","elementConfiguration":{"binding":"{{StringJoin(\", \", Form.SpeakerName,\"SAP\")}}","type":"text","disableUpdates":false}},{"type":"shape","id":"b1649ea4-f984-49ae-a3a1-5e732da06700","elementConfiguration":{"binding":"{{FormatDateTime(Form.Date,\"MMMM dd, yyyy\",\"en-US\")}}","type":"text","disableUpdates":false}},{"type":"shape","id":"817f2cac-476f-4f09-9a5b-f65cb78c8457","elementConfiguration":{"binding":"{{StringJoin(\", \", Form.SpeakerName,\"SAP\")}}","type":"text","disableUpdates":false}},{"type":"shape","id":"378927af-789e-478a-98db-01e3a717f61a","elementConfiguration":{"binding":"{{FormatDateTime(Form.Date,\"MMMM dd, yyyy\",\"en-US\")}}","type":"text","disableUpdates":false}},{"type":"shape","id":"f623d31c-4198-4495-bf52-bf36155f6b34","elementConfiguration":{"binding":"{{StringJoin(\", \", Form.SpeakerName,\"SAP\")}}","type":"text","disableUpdates":false}},{"type":"shape","id":"da33ba28-87ff-4f5f-b399-aa059e6b787a","elementConfiguration":{"binding":"{{FormatDateTime(Form.Date,\"MMMM dd, yyyy\",\"en-US\")}}","type":"text","disableUpdates":false}}],"transformationConfigurations":[],"templateName":"SAP Template NEW","templateDescription":"","enableDocumentContentUpdater":true,"version":"2.0"}]]></TemplafyTemplateConfiguration>
+</file>
+
+<file path=customXml/item25.xml><?xml version="1.0" encoding="utf-8"?>
+<TemplafySlideTemplateConfiguration><![CDATA[{"slideVersion":1,"isValidatorEnabled":false,"isLocked":false,"elementsMetadata":[{"type":"shape","elementConfiguration":{"binding":"{{StringJoin(\", \", Form.SpeakerName,\"SAP\")}}","type":"text","disableUpdates":false}},{"type":"shape","elementConfiguration":{"binding":"{{FormatDateTime(Form.Date,\"MMMM dd, yyyy\",\"en-US\")}}","type":"text","disableUpdates":false}},{"type":"shape","elementConfiguration":{"inheritDimensions":"{{InheritDimensions.InheritNone}}","width":"","height":"1 cm","image":"{{Form.SAPLogo.SubbrandBlue}}","visibility":"","type":"image","disableUpdates":false}},{"type":"shape","elementConfiguration":{"binding":"{{Form.Classification.Display}}","visibility":"","type":"text","disableUpdates":false}}],"slideId":"638331234102843511","enableDocumentContentUpdater":false,"version":"2.0"}]]></TemplafySlideTemplateConfiguration>
+</file>
+
+<file path=customXml/item26.xml><?xml version="1.0" encoding="utf-8"?>
+<?mso-contentType ?>
+<FormTemplates xmlns="http://schemas.microsoft.com/sharepoint/v3/contenttype/forms">
+  <Display>DocumentLibraryForm</Display>
+  <Edit>DocumentLibraryForm</Edit>
+  <New>DocumentLibraryForm</New>
+</FormTemplates>
+</file>
+
+<file path=customXml/item27.xml><?xml version="1.0" encoding="utf-8"?>
+<TemplafySlideTemplateConfiguration><![CDATA[{"slideVersion":1,"isValidatorEnabled":false,"isLocked":false,"elementsMetadata":[{"type":"shape","elementConfiguration":{"binding":"{{StringJoin(\", \", Form.SpeakerName,\"SAP\")}}","type":"text","disableUpdates":false}},{"type":"shape","elementConfiguration":{"binding":"{{FormatDateTime(Form.Date,\"MMMM dd, yyyy\",\"en-US\")}}","type":"text","disableUpdates":false}},{"type":"shape","elementConfiguration":{"binding":"{{Form.Classification.Display}}","visibility":"","type":"text","disableUpdates":false}},{"type":"shape","elementConfiguration":{"inheritDimensions":"{{InheritDimensions.InheritNone}}","width":"","height":"1 cm","image":"{{Form.SAPLogo.SubbrandBlack}}","visibility":"","type":"image","disableUpdates":false}}],"slideId":"638331234102547405","enableDocumentContentUpdater":false,"version":"2.0"}]]></TemplafySlideTemplateConfiguration>
+</file>
+
+<file path=customXml/item3.xml><?xml version="1.0" encoding="utf-8"?>
+<TemplafySlideTemplateConfiguration><![CDATA[{"slideVersion":1,"isValidatorEnabled":false,"isLocked":false,"elementsMetadata":[{"type":"shape","elementConfiguration":{"binding":"{{StringJoin(\", \", Form.SpeakerName,\"SAP\")}}","type":"text","disableUpdates":false}},{"type":"shape","elementConfiguration":{"binding":"{{FormatDateTime(Form.Date,\"MMMM dd, yyyy\",\"en-US\")}}","type":"text","disableUpdates":false}},{"type":"shape","elementConfiguration":{"inheritDimensions":"{{InheritDimensions.InheritNone}}","width":"","height":"1 cm","image":"{{Form.SAPLogo.SubbrandWhite}}","visibility":"","type":"image","disableUpdates":false}},{"type":"shape","elementConfiguration":{"binding":"{{Form.Classification.Display}}","visibility":"","type":"text","disableUpdates":false}}],"slideId":"638331234102430701","enableDocumentContentUpdater":false,"version":"2.0"}]]></TemplafySlideTemplateConfiguration>
+</file>
+
+<file path=customXml/item4.xml><?xml version="1.0" encoding="utf-8"?>
+<TemplafySlideFormConfiguration><![CDATA[{"formFields":[{"distinct":false,"hideIfNoUserInteractionRequired":false,"required":true,"autoSelectFirstOption":false,"shareValue":false,"type":"dropDown","dataSourceName":"PPTSubBrandLogos2023","dataSourceFieldName":"Name","name":"SAPLogo","label":"Select Template"},{"distinct":false,"hideIfNoUserInteractionRequired":false,"required":true,"autoSelectFirstOption":false,"shareValue":false,"type":"dropDown","dataSourceName":"Classification","dataSourceFieldName":"Name","name":"Classification","label":"Select Classification"},{"required":false,"shareValue":false,"type":"datePicker","name":"Date","label":"Date"},{"required":false,"placeholder":"","lines":1,"defaultValue":"{{StringJoin(\" \", UserProfile.FirstName,UserProfile.LastName)}}","helpTexts":{"prefix":"After your name, include your preferred pronouns (they/them, she/her, he/him)."},"shareValue":false,"type":"textBox","name":"SpeakerName","label":"Name and Pronouns"}],"formDataEntries":[]}]]></TemplafySlideFormConfiguration>
+</file>
+
+<file path=customXml/item5.xml><?xml version="1.0" encoding="utf-8"?>
+<TemplafySlideFormConfiguration><![CDATA[{"formFields":[],"formDataEntries":[]}]]></TemplafySlideFormConfiguration>
+</file>
+
+<file path=customXml/item6.xml><?xml version="1.0" encoding="utf-8"?>
+<TemplafySlideFormConfiguration><![CDATA[{"formFields":[],"formDataEntries":[]}]]></TemplafySlideFormConfiguration>
+</file>
+
 <file path=customXml/item7.xml><?xml version="1.0" encoding="utf-8"?>
-<TemplafySlideTemplateConfiguration><![CDATA[{"slideVersion":1,"isValidatorEnabled":false,"isLocked":false,"elementsMetadata":[],"slideId":"638331234103040955","enableDocumentContentUpdater":false,"version":"2.0"}]]></TemplafySlideTemplateConfiguration>
+<TemplafyFormConfiguration><![CDATA[{"formFields":[{"distinct":false,"hideIfNoUserInteractionRequired":false,"required":true,"autoSelectFirstOption":false,"shareValue":false,"type":"dropDown","dataSourceName":"PPTSubBrandLogos2023","dataSourceFieldName":"Name","name":"SAPLogo","label":"Select Template"},{"distinct":false,"hideIfNoUserInteractionRequired":false,"required":true,"autoSelectFirstOption":false,"shareValue":false,"type":"dropDown","dataSourceName":"Classification","dataSourceFieldName":"Name","name":"Classification","label":"Select Classification"},{"required":false,"shareValue":false,"type":"datePicker","name":"Date","label":"Date"},{"required":false,"placeholder":"","lines":1,"defaultValue":"{{StringJoin(\" \", UserProfile.FirstName,UserProfile.LastName)}}","helpTexts":{"prefix":"After your name, include your preferred pronouns (they/them, she/her, he/him)."},"shareValue":false,"type":"textBox","name":"SpeakerName","label":"Name and Pronouns"},{"required":false,"placeholder":"","lines":1,"defaultValue":"{{UserProfile.Email}}","shareValue":false,"type":"textBox","name":"Email","label":"Email"}],"formDataEntries":[{"name":"SAPLogo","value":"pxB0tb4qiCEYCgGk2fAV86fXsKRk9ZMKiRC3VaLJ5C8="},{"name":"Classification","value":"OmrOP8d402txjl1Zr787gUA6bTWeMdaxGEF9U5BKD64="},{"name":"SpeakerName","value":"YnPwfaWtJd9yqRikMcavEg=="},{"name":"Email","value":"v35+JSpO6F5yjM5PrFdVwQ=="}]}]]></TemplafyFormConfiguration>
 </file>
 
 <file path=customXml/item8.xml><?xml version="1.0" encoding="utf-8"?>
@@ -22315,94 +23463,52 @@
 </file>
 
 <file path=customXml/item9.xml><?xml version="1.0" encoding="utf-8"?>
-<TemplafySlideFormConfiguration><![CDATA[{"formFields":[],"formDataEntries":[]}]]></TemplafySlideFormConfiguration>
+<TemplafySlideTemplateConfiguration><![CDATA[{"slideVersion":1,"isValidatorEnabled":false,"isLocked":false,"elementsMetadata":[{"type":"shape","elementConfiguration":{"binding":"{{StringJoin(\", \", Form.SpeakerName,\"SAP\")}}","type":"text","disableUpdates":false}},{"type":"shape","elementConfiguration":{"binding":"{{FormatDateTime(Form.Date,\"MMMM dd, yyyy\",\"en-US\")}}","type":"text","disableUpdates":false}},{"type":"shape","elementConfiguration":{"inheritDimensions":"{{InheritDimensions.InheritNone}}","width":"","height":"1 cm","image":"{{Form.SAPLogo.SubbrandWhite}}","visibility":"","type":"image","disableUpdates":false}},{"type":"shape","elementConfiguration":{"binding":"{{Form.Classification.Display}}","visibility":"","type":"text","disableUpdates":false}}],"slideId":"638331234102776925","enableDocumentContentUpdater":false,"version":"2.0"}]]></TemplafySlideTemplateConfiguration>
 </file>
 
 <file path=customXml/itemProps1.xml><?xml version="1.0" encoding="utf-8"?>
-<ds:datastoreItem xmlns:ds="http://schemas.openxmlformats.org/officeDocument/2006/customXml" ds:itemID="{E592BBB8-4E80-3C45-BEE9-486ED596EB3C}">
+<ds:datastoreItem xmlns:ds="http://schemas.openxmlformats.org/officeDocument/2006/customXml" ds:itemID="{5E726EAB-FE30-4F4D-A478-DE4759D9A12E}">
   <ds:schemaRefs/>
 </ds:datastoreItem>
 </file>
 
 <file path=customXml/itemProps10.xml><?xml version="1.0" encoding="utf-8"?>
+<ds:datastoreItem xmlns:ds="http://schemas.openxmlformats.org/officeDocument/2006/customXml" ds:itemID="{0EC57229-3C66-4E28-BE75-EC4AA2288617}">
+  <ds:schemaRefs/>
+</ds:datastoreItem>
+</file>
+
+<file path=customXml/itemProps11.xml><?xml version="1.0" encoding="utf-8"?>
+<ds:datastoreItem xmlns:ds="http://schemas.openxmlformats.org/officeDocument/2006/customXml" ds:itemID="{7F6898E6-9ADD-4538-B0E5-FC21C8DB6903}">
+  <ds:schemaRefs/>
+</ds:datastoreItem>
+</file>
+
+<file path=customXml/itemProps12.xml><?xml version="1.0" encoding="utf-8"?>
+<ds:datastoreItem xmlns:ds="http://schemas.openxmlformats.org/officeDocument/2006/customXml" ds:itemID="{FB3CBE98-0F50-4DCC-AB6D-9CE0DBAA75FF}">
+  <ds:schemaRefs/>
+</ds:datastoreItem>
+</file>
+
+<file path=customXml/itemProps13.xml><?xml version="1.0" encoding="utf-8"?>
+<ds:datastoreItem xmlns:ds="http://schemas.openxmlformats.org/officeDocument/2006/customXml" ds:itemID="{77EBBC25-7217-6047-A6FE-6E3834623618}">
+  <ds:schemaRefs/>
+</ds:datastoreItem>
+</file>
+
+<file path=customXml/itemProps14.xml><?xml version="1.0" encoding="utf-8"?>
+<ds:datastoreItem xmlns:ds="http://schemas.openxmlformats.org/officeDocument/2006/customXml" ds:itemID="{3E4381A6-8E2C-574D-B48E-536A53B18F66}">
+  <ds:schemaRefs/>
+</ds:datastoreItem>
+</file>
+
+<file path=customXml/itemProps15.xml><?xml version="1.0" encoding="utf-8"?>
 <ds:datastoreItem xmlns:ds="http://schemas.openxmlformats.org/officeDocument/2006/customXml" ds:itemID="{47869D81-24A3-1649-A7BC-E604AE89024C}">
   <ds:schemaRefs/>
 </ds:datastoreItem>
 </file>
 
-<file path=customXml/itemProps11.xml><?xml version="1.0" encoding="utf-8"?>
-<ds:datastoreItem xmlns:ds="http://schemas.openxmlformats.org/officeDocument/2006/customXml" ds:itemID="{FB378D73-682D-4B5C-B045-A467836EDC7E}">
-  <ds:schemaRefs/>
-</ds:datastoreItem>
-</file>
-
-<file path=customXml/itemProps12.xml><?xml version="1.0" encoding="utf-8"?>
-<ds:datastoreItem xmlns:ds="http://schemas.openxmlformats.org/officeDocument/2006/customXml" ds:itemID="{5E726EAB-FE30-4F4D-A478-DE4759D9A12E}">
-  <ds:schemaRefs/>
-</ds:datastoreItem>
-</file>
-
-<file path=customXml/itemProps13.xml><?xml version="1.0" encoding="utf-8"?>
-<ds:datastoreItem xmlns:ds="http://schemas.openxmlformats.org/officeDocument/2006/customXml" ds:itemID="{3E4381A6-8E2C-574D-B48E-536A53B18F66}">
-  <ds:schemaRefs/>
-</ds:datastoreItem>
-</file>
-
-<file path=customXml/itemProps14.xml><?xml version="1.0" encoding="utf-8"?>
-<ds:datastoreItem xmlns:ds="http://schemas.openxmlformats.org/officeDocument/2006/customXml" ds:itemID="{F444086E-23D4-43AE-9B84-AA7543534A61}">
-  <ds:schemaRefs/>
-</ds:datastoreItem>
-</file>
-
-<file path=customXml/itemProps15.xml><?xml version="1.0" encoding="utf-8"?>
-<ds:datastoreItem xmlns:ds="http://schemas.openxmlformats.org/officeDocument/2006/customXml" ds:itemID="{A3EC6DE2-FD66-684A-AC9E-08E25388DBEF}">
-  <ds:schemaRefs/>
-</ds:datastoreItem>
-</file>
-
 <file path=customXml/itemProps16.xml><?xml version="1.0" encoding="utf-8"?>
-<ds:datastoreItem xmlns:ds="http://schemas.openxmlformats.org/officeDocument/2006/customXml" ds:itemID="{626BBCBB-1894-4E66-BA48-9E91CE3ACBA0}">
-  <ds:schemaRefs/>
-</ds:datastoreItem>
-</file>
-
-<file path=customXml/itemProps17.xml><?xml version="1.0" encoding="utf-8"?>
-<ds:datastoreItem xmlns:ds="http://schemas.openxmlformats.org/officeDocument/2006/customXml" ds:itemID="{97E3BD22-8559-41C7-B32B-85AADBCE3220}">
-  <ds:schemaRefs/>
-</ds:datastoreItem>
-</file>
-
-<file path=customXml/itemProps18.xml><?xml version="1.0" encoding="utf-8"?>
-<ds:datastoreItem xmlns:ds="http://schemas.openxmlformats.org/officeDocument/2006/customXml" ds:itemID="{CD69D8E4-3079-0947-A87B-18CDAB899542}">
-  <ds:schemaRefs/>
-</ds:datastoreItem>
-</file>
-
-<file path=customXml/itemProps19.xml><?xml version="1.0" encoding="utf-8"?>
-<ds:datastoreItem xmlns:ds="http://schemas.openxmlformats.org/officeDocument/2006/customXml" ds:itemID="{0EC57229-3C66-4E28-BE75-EC4AA2288617}">
-  <ds:schemaRefs/>
-</ds:datastoreItem>
-</file>
-
-<file path=customXml/itemProps2.xml><?xml version="1.0" encoding="utf-8"?>
-<ds:datastoreItem xmlns:ds="http://schemas.openxmlformats.org/officeDocument/2006/customXml" ds:itemID="{BE35CB75-D316-A442-AF6F-E30B686305AD}">
-  <ds:schemaRefs/>
-</ds:datastoreItem>
-</file>
-
-<file path=customXml/itemProps20.xml><?xml version="1.0" encoding="utf-8"?>
-<ds:datastoreItem xmlns:ds="http://schemas.openxmlformats.org/officeDocument/2006/customXml" ds:itemID="{CC49FFC8-2FF3-4057-96F0-3BCD1A4F0351}">
-  <ds:schemaRefs/>
-</ds:datastoreItem>
-</file>
-
-<file path=customXml/itemProps21.xml><?xml version="1.0" encoding="utf-8"?>
-<ds:datastoreItem xmlns:ds="http://schemas.openxmlformats.org/officeDocument/2006/customXml" ds:itemID="{538A7E94-9A75-944B-BB53-DAD192A33F0F}">
-  <ds:schemaRefs/>
-</ds:datastoreItem>
-</file>
-
-<file path=customXml/itemProps22.xml><?xml version="1.0" encoding="utf-8"?>
 <ds:datastoreItem xmlns:ds="http://schemas.openxmlformats.org/officeDocument/2006/customXml" ds:itemID="{C1422F45-04DB-421D-8796-270006657806}">
   <ds:schemaRefs>
     <ds:schemaRef ds:uri="http://schemas.microsoft.com/office/2006/metadata/properties"/>
@@ -22420,57 +23526,25 @@
 </ds:datastoreItem>
 </file>
 
-<file path=customXml/itemProps23.xml><?xml version="1.0" encoding="utf-8"?>
-<ds:datastoreItem xmlns:ds="http://schemas.openxmlformats.org/officeDocument/2006/customXml" ds:itemID="{EA0EFD7B-A280-45FB-AEC3-B703B28210D9}">
+<file path=customXml/itemProps17.xml><?xml version="1.0" encoding="utf-8"?>
+<ds:datastoreItem xmlns:ds="http://schemas.openxmlformats.org/officeDocument/2006/customXml" ds:itemID="{97E3BD22-8559-41C7-B32B-85AADBCE3220}">
   <ds:schemaRefs/>
 </ds:datastoreItem>
 </file>
 
-<file path=customXml/itemProps24.xml><?xml version="1.0" encoding="utf-8"?>
+<file path=customXml/itemProps18.xml><?xml version="1.0" encoding="utf-8"?>
+<ds:datastoreItem xmlns:ds="http://schemas.openxmlformats.org/officeDocument/2006/customXml" ds:itemID="{538A7E94-9A75-944B-BB53-DAD192A33F0F}">
+  <ds:schemaRefs/>
+</ds:datastoreItem>
+</file>
+
+<file path=customXml/itemProps19.xml><?xml version="1.0" encoding="utf-8"?>
 <ds:datastoreItem xmlns:ds="http://schemas.openxmlformats.org/officeDocument/2006/customXml" ds:itemID="{DF3DA119-9F3B-B04F-B2CE-ED7B6150E810}">
   <ds:schemaRefs/>
 </ds:datastoreItem>
 </file>
 
-<file path=customXml/itemProps25.xml><?xml version="1.0" encoding="utf-8"?>
-<ds:datastoreItem xmlns:ds="http://schemas.openxmlformats.org/officeDocument/2006/customXml" ds:itemID="{7F6898E6-9ADD-4538-B0E5-FC21C8DB6903}">
-  <ds:schemaRefs/>
-</ds:datastoreItem>
-</file>
-
-<file path=customXml/itemProps26.xml><?xml version="1.0" encoding="utf-8"?>
-<ds:datastoreItem xmlns:ds="http://schemas.openxmlformats.org/officeDocument/2006/customXml" ds:itemID="{034DD3E1-2858-4C70-BC3A-61FB10763B47}">
-  <ds:schemaRefs/>
-</ds:datastoreItem>
-</file>
-
-<file path=customXml/itemProps27.xml><?xml version="1.0" encoding="utf-8"?>
-<ds:datastoreItem xmlns:ds="http://schemas.openxmlformats.org/officeDocument/2006/customXml" ds:itemID="{77EBBC25-7217-6047-A6FE-6E3834623618}">
-  <ds:schemaRefs/>
-</ds:datastoreItem>
-</file>
-
-<file path=customXml/itemProps3.xml><?xml version="1.0" encoding="utf-8"?>
-<ds:datastoreItem xmlns:ds="http://schemas.openxmlformats.org/officeDocument/2006/customXml" ds:itemID="{118DC9FA-6E7A-134A-A4CB-DB7E25529BCD}">
-  <ds:schemaRefs/>
-</ds:datastoreItem>
-</file>
-
-<file path=customXml/itemProps4.xml><?xml version="1.0" encoding="utf-8"?>
-<ds:datastoreItem xmlns:ds="http://schemas.openxmlformats.org/officeDocument/2006/customXml" ds:itemID="{3B62FFE9-ED73-4F57-B7FD-1898883AC30C}">
-  <ds:schemaRefs/>
-</ds:datastoreItem>
-</file>
-
-<file path=customXml/itemProps5.xml><?xml version="1.0" encoding="utf-8"?>
-<ds:datastoreItem xmlns:ds="http://schemas.openxmlformats.org/officeDocument/2006/customXml" ds:itemID="{291DCB28-1C52-4C0E-804A-6BD2D3F0FB8D}">
-  <ds:schemaRefs>
-    <ds:schemaRef ds:uri="http://schemas.microsoft.com/sharepoint/v3/contenttype/forms"/>
-  </ds:schemaRefs>
-</ds:datastoreItem>
-</file>
-
-<file path=customXml/itemProps6.xml><?xml version="1.0" encoding="utf-8"?>
+<file path=customXml/itemProps2.xml><?xml version="1.0" encoding="utf-8"?>
 <ds:datastoreItem xmlns:ds="http://schemas.openxmlformats.org/officeDocument/2006/customXml" ds:itemID="{74942575-2ABC-47D8-9C97-7AE8518FFEF2}">
   <ds:schemaRefs>
     <ds:schemaRef ds:uri="http://schemas.microsoft.com/office/2006/metadata/contentType"/>
@@ -22489,8 +23563,82 @@
 </ds:datastoreItem>
 </file>
 
+<file path=customXml/itemProps20.xml><?xml version="1.0" encoding="utf-8"?>
+<ds:datastoreItem xmlns:ds="http://schemas.openxmlformats.org/officeDocument/2006/customXml" ds:itemID="{F444086E-23D4-43AE-9B84-AA7543534A61}">
+  <ds:schemaRefs/>
+</ds:datastoreItem>
+</file>
+
+<file path=customXml/itemProps21.xml><?xml version="1.0" encoding="utf-8"?>
+<ds:datastoreItem xmlns:ds="http://schemas.openxmlformats.org/officeDocument/2006/customXml" ds:itemID="{EA0EFD7B-A280-45FB-AEC3-B703B28210D9}">
+  <ds:schemaRefs/>
+</ds:datastoreItem>
+</file>
+
+<file path=customXml/itemProps22.xml><?xml version="1.0" encoding="utf-8"?>
+<ds:datastoreItem xmlns:ds="http://schemas.openxmlformats.org/officeDocument/2006/customXml" ds:itemID="{118DC9FA-6E7A-134A-A4CB-DB7E25529BCD}">
+  <ds:schemaRefs/>
+</ds:datastoreItem>
+</file>
+
+<file path=customXml/itemProps23.xml><?xml version="1.0" encoding="utf-8"?>
+<ds:datastoreItem xmlns:ds="http://schemas.openxmlformats.org/officeDocument/2006/customXml" ds:itemID="{E592BBB8-4E80-3C45-BEE9-486ED596EB3C}">
+  <ds:schemaRefs/>
+</ds:datastoreItem>
+</file>
+
+<file path=customXml/itemProps24.xml><?xml version="1.0" encoding="utf-8"?>
+<ds:datastoreItem xmlns:ds="http://schemas.openxmlformats.org/officeDocument/2006/customXml" ds:itemID="{626BBCBB-1894-4E66-BA48-9E91CE3ACBA0}">
+  <ds:schemaRefs/>
+</ds:datastoreItem>
+</file>
+
+<file path=customXml/itemProps25.xml><?xml version="1.0" encoding="utf-8"?>
+<ds:datastoreItem xmlns:ds="http://schemas.openxmlformats.org/officeDocument/2006/customXml" ds:itemID="{CD69D8E4-3079-0947-A87B-18CDAB899542}">
+  <ds:schemaRefs/>
+</ds:datastoreItem>
+</file>
+
+<file path=customXml/itemProps26.xml><?xml version="1.0" encoding="utf-8"?>
+<ds:datastoreItem xmlns:ds="http://schemas.openxmlformats.org/officeDocument/2006/customXml" ds:itemID="{291DCB28-1C52-4C0E-804A-6BD2D3F0FB8D}">
+  <ds:schemaRefs>
+    <ds:schemaRef ds:uri="http://schemas.microsoft.com/sharepoint/v3/contenttype/forms"/>
+  </ds:schemaRefs>
+</ds:datastoreItem>
+</file>
+
+<file path=customXml/itemProps27.xml><?xml version="1.0" encoding="utf-8"?>
+<ds:datastoreItem xmlns:ds="http://schemas.openxmlformats.org/officeDocument/2006/customXml" ds:itemID="{3B62FFE9-ED73-4F57-B7FD-1898883AC30C}">
+  <ds:schemaRefs/>
+</ds:datastoreItem>
+</file>
+
+<file path=customXml/itemProps3.xml><?xml version="1.0" encoding="utf-8"?>
+<ds:datastoreItem xmlns:ds="http://schemas.openxmlformats.org/officeDocument/2006/customXml" ds:itemID="{FB378D73-682D-4B5C-B045-A467836EDC7E}">
+  <ds:schemaRefs/>
+</ds:datastoreItem>
+</file>
+
+<file path=customXml/itemProps4.xml><?xml version="1.0" encoding="utf-8"?>
+<ds:datastoreItem xmlns:ds="http://schemas.openxmlformats.org/officeDocument/2006/customXml" ds:itemID="{034DD3E1-2858-4C70-BC3A-61FB10763B47}">
+  <ds:schemaRefs/>
+</ds:datastoreItem>
+</file>
+
+<file path=customXml/itemProps5.xml><?xml version="1.0" encoding="utf-8"?>
+<ds:datastoreItem xmlns:ds="http://schemas.openxmlformats.org/officeDocument/2006/customXml" ds:itemID="{32B4CE40-A540-46F0-A4B7-2503498DD8B0}">
+  <ds:schemaRefs/>
+</ds:datastoreItem>
+</file>
+
+<file path=customXml/itemProps6.xml><?xml version="1.0" encoding="utf-8"?>
+<ds:datastoreItem xmlns:ds="http://schemas.openxmlformats.org/officeDocument/2006/customXml" ds:itemID="{A3EC6DE2-FD66-684A-AC9E-08E25388DBEF}">
+  <ds:schemaRefs/>
+</ds:datastoreItem>
+</file>
+
 <file path=customXml/itemProps7.xml><?xml version="1.0" encoding="utf-8"?>
-<ds:datastoreItem xmlns:ds="http://schemas.openxmlformats.org/officeDocument/2006/customXml" ds:itemID="{FB3CBE98-0F50-4DCC-AB6D-9CE0DBAA75FF}">
+<ds:datastoreItem xmlns:ds="http://schemas.openxmlformats.org/officeDocument/2006/customXml" ds:itemID="{CC49FFC8-2FF3-4057-96F0-3BCD1A4F0351}">
   <ds:schemaRefs/>
 </ds:datastoreItem>
 </file>
@@ -22502,7 +23650,7 @@
 </file>
 
 <file path=customXml/itemProps9.xml><?xml version="1.0" encoding="utf-8"?>
-<ds:datastoreItem xmlns:ds="http://schemas.openxmlformats.org/officeDocument/2006/customXml" ds:itemID="{32B4CE40-A540-46F0-A4B7-2503498DD8B0}">
+<ds:datastoreItem xmlns:ds="http://schemas.openxmlformats.org/officeDocument/2006/customXml" ds:itemID="{BE35CB75-D316-A442-AF6F-E30B686305AD}">
   <ds:schemaRefs/>
 </ds:datastoreItem>
 </file>
